--- a/Poster.pptx
+++ b/Poster.pptx
@@ -2,12 +2,12 @@
 <file path=ppt/presentation.xml><?xml version="1.0" encoding="utf-8"?>
 <p:presentation xmlns:a="http://schemas.openxmlformats.org/drawingml/2006/main" xmlns:r="http://schemas.openxmlformats.org/officeDocument/2006/relationships" xmlns:p="http://schemas.openxmlformats.org/presentationml/2006/main" saveSubsetFonts="1" autoCompressPictures="0">
   <p:sldMasterIdLst>
-    <p:sldMasterId id="2147483684" r:id="rId1"/>
+    <p:sldMasterId id="2147483696" r:id="rId1"/>
   </p:sldMasterIdLst>
   <p:sldIdLst>
     <p:sldId id="259" r:id="rId2"/>
   </p:sldIdLst>
-  <p:sldSz cx="27432000" cy="18288000"/>
+  <p:sldSz cx="32918400" cy="21945600"/>
   <p:notesSz cx="6858000" cy="9144000"/>
   <p:defaultTextStyle>
     <a:defPPr>
@@ -141,15 +141,15 @@
         </p:nvSpPr>
         <p:spPr>
           <a:xfrm>
-            <a:off x="2057400" y="2992968"/>
-            <a:ext cx="23317200" cy="6366933"/>
+            <a:off x="2468880" y="3591562"/>
+            <a:ext cx="27980640" cy="7640320"/>
           </a:xfrm>
         </p:spPr>
         <p:txBody>
           <a:bodyPr anchor="b"/>
           <a:lstStyle>
             <a:lvl1pPr algn="ctr">
-              <a:defRPr sz="16000"/>
+              <a:defRPr sz="19200"/>
             </a:lvl1pPr>
           </a:lstStyle>
           <a:p>
@@ -173,8 +173,8 @@
         </p:nvSpPr>
         <p:spPr>
           <a:xfrm>
-            <a:off x="3429000" y="9605435"/>
-            <a:ext cx="20574000" cy="4415365"/>
+            <a:off x="4114800" y="11526522"/>
+            <a:ext cx="24688800" cy="5298438"/>
           </a:xfrm>
         </p:spPr>
         <p:txBody>
@@ -182,39 +182,39 @@
           <a:lstStyle>
             <a:lvl1pPr marL="0" indent="0" algn="ctr">
               <a:buNone/>
+              <a:defRPr sz="7680"/>
+            </a:lvl1pPr>
+            <a:lvl2pPr marL="1463040" indent="0" algn="ctr">
+              <a:buNone/>
               <a:defRPr sz="6400"/>
-            </a:lvl1pPr>
-            <a:lvl2pPr marL="1219215" indent="0" algn="ctr">
-              <a:buNone/>
-              <a:defRPr sz="5333"/>
             </a:lvl2pPr>
-            <a:lvl3pPr marL="2438430" indent="0" algn="ctr">
-              <a:buNone/>
-              <a:defRPr sz="4800"/>
+            <a:lvl3pPr marL="2926080" indent="0" algn="ctr">
+              <a:buNone/>
+              <a:defRPr sz="5760"/>
             </a:lvl3pPr>
-            <a:lvl4pPr marL="3657646" indent="0" algn="ctr">
-              <a:buNone/>
-              <a:defRPr sz="4267"/>
+            <a:lvl4pPr marL="4389120" indent="0" algn="ctr">
+              <a:buNone/>
+              <a:defRPr sz="5120"/>
             </a:lvl4pPr>
-            <a:lvl5pPr marL="4876861" indent="0" algn="ctr">
-              <a:buNone/>
-              <a:defRPr sz="4267"/>
+            <a:lvl5pPr marL="5852160" indent="0" algn="ctr">
+              <a:buNone/>
+              <a:defRPr sz="5120"/>
             </a:lvl5pPr>
-            <a:lvl6pPr marL="6096076" indent="0" algn="ctr">
-              <a:buNone/>
-              <a:defRPr sz="4267"/>
+            <a:lvl6pPr marL="7315200" indent="0" algn="ctr">
+              <a:buNone/>
+              <a:defRPr sz="5120"/>
             </a:lvl6pPr>
-            <a:lvl7pPr marL="7315291" indent="0" algn="ctr">
-              <a:buNone/>
-              <a:defRPr sz="4267"/>
+            <a:lvl7pPr marL="8778240" indent="0" algn="ctr">
+              <a:buNone/>
+              <a:defRPr sz="5120"/>
             </a:lvl7pPr>
-            <a:lvl8pPr marL="8534507" indent="0" algn="ctr">
-              <a:buNone/>
-              <a:defRPr sz="4267"/>
+            <a:lvl8pPr marL="10241280" indent="0" algn="ctr">
+              <a:buNone/>
+              <a:defRPr sz="5120"/>
             </a:lvl8pPr>
-            <a:lvl9pPr marL="9753722" indent="0" algn="ctr">
-              <a:buNone/>
-              <a:defRPr sz="4267"/>
+            <a:lvl9pPr marL="11704320" indent="0" algn="ctr">
+              <a:buNone/>
+              <a:defRPr sz="5120"/>
             </a:lvl9pPr>
           </a:lstStyle>
           <a:p>
@@ -294,7 +294,7 @@
     </p:spTree>
     <p:extLst>
       <p:ext uri="{BB962C8B-B14F-4D97-AF65-F5344CB8AC3E}">
-        <p14:creationId xmlns:p14="http://schemas.microsoft.com/office/powerpoint/2010/main" val="959173876"/>
+        <p14:creationId xmlns:p14="http://schemas.microsoft.com/office/powerpoint/2010/main" val="2084877448"/>
       </p:ext>
     </p:extLst>
   </p:cSld>
@@ -464,7 +464,7 @@
     </p:spTree>
     <p:extLst>
       <p:ext uri="{BB962C8B-B14F-4D97-AF65-F5344CB8AC3E}">
-        <p14:creationId xmlns:p14="http://schemas.microsoft.com/office/powerpoint/2010/main" val="361771663"/>
+        <p14:creationId xmlns:p14="http://schemas.microsoft.com/office/powerpoint/2010/main" val="2111696806"/>
       </p:ext>
     </p:extLst>
   </p:cSld>
@@ -503,8 +503,8 @@
         </p:nvSpPr>
         <p:spPr>
           <a:xfrm>
-            <a:off x="19631027" y="973667"/>
-            <a:ext cx="5915025" cy="15498235"/>
+            <a:off x="23557232" y="1168400"/>
+            <a:ext cx="7098030" cy="18597882"/>
           </a:xfrm>
         </p:spPr>
         <p:txBody>
@@ -531,8 +531,8 @@
         </p:nvSpPr>
         <p:spPr>
           <a:xfrm>
-            <a:off x="1885952" y="973667"/>
-            <a:ext cx="17402175" cy="15498235"/>
+            <a:off x="2263142" y="1168400"/>
+            <a:ext cx="20882610" cy="18597882"/>
           </a:xfrm>
         </p:spPr>
         <p:txBody>
@@ -644,7 +644,7 @@
     </p:spTree>
     <p:extLst>
       <p:ext uri="{BB962C8B-B14F-4D97-AF65-F5344CB8AC3E}">
-        <p14:creationId xmlns:p14="http://schemas.microsoft.com/office/powerpoint/2010/main" val="1756439040"/>
+        <p14:creationId xmlns:p14="http://schemas.microsoft.com/office/powerpoint/2010/main" val="3826574632"/>
       </p:ext>
     </p:extLst>
   </p:cSld>
@@ -814,7 +814,7 @@
     </p:spTree>
     <p:extLst>
       <p:ext uri="{BB962C8B-B14F-4D97-AF65-F5344CB8AC3E}">
-        <p14:creationId xmlns:p14="http://schemas.microsoft.com/office/powerpoint/2010/main" val="1653487027"/>
+        <p14:creationId xmlns:p14="http://schemas.microsoft.com/office/powerpoint/2010/main" val="2154475573"/>
       </p:ext>
     </p:extLst>
   </p:cSld>
@@ -853,15 +853,15 @@
         </p:nvSpPr>
         <p:spPr>
           <a:xfrm>
-            <a:off x="1871664" y="4559305"/>
-            <a:ext cx="23660100" cy="7607299"/>
+            <a:off x="2245997" y="5471167"/>
+            <a:ext cx="28392120" cy="9128758"/>
           </a:xfrm>
         </p:spPr>
         <p:txBody>
           <a:bodyPr anchor="b"/>
           <a:lstStyle>
             <a:lvl1pPr>
-              <a:defRPr sz="16000"/>
+              <a:defRPr sz="19200"/>
             </a:lvl1pPr>
           </a:lstStyle>
           <a:p>
@@ -885,8 +885,8 @@
         </p:nvSpPr>
         <p:spPr>
           <a:xfrm>
-            <a:off x="1871664" y="12238572"/>
-            <a:ext cx="23660100" cy="4000499"/>
+            <a:off x="2245997" y="14686287"/>
+            <a:ext cx="28392120" cy="4800598"/>
           </a:xfrm>
         </p:spPr>
         <p:txBody>
@@ -894,15 +894,15 @@
           <a:lstStyle>
             <a:lvl1pPr marL="0" indent="0">
               <a:buNone/>
-              <a:defRPr sz="6400">
+              <a:defRPr sz="7680">
                 <a:solidFill>
                   <a:schemeClr val="tx1"/>
                 </a:solidFill>
               </a:defRPr>
             </a:lvl1pPr>
-            <a:lvl2pPr marL="1219215" indent="0">
-              <a:buNone/>
-              <a:defRPr sz="5333">
+            <a:lvl2pPr marL="1463040" indent="0">
+              <a:buNone/>
+              <a:defRPr sz="6400">
                 <a:solidFill>
                   <a:schemeClr val="tx1">
                     <a:tint val="75000"/>
@@ -910,9 +910,9 @@
                 </a:solidFill>
               </a:defRPr>
             </a:lvl2pPr>
-            <a:lvl3pPr marL="2438430" indent="0">
-              <a:buNone/>
-              <a:defRPr sz="4800">
+            <a:lvl3pPr marL="2926080" indent="0">
+              <a:buNone/>
+              <a:defRPr sz="5760">
                 <a:solidFill>
                   <a:schemeClr val="tx1">
                     <a:tint val="75000"/>
@@ -920,9 +920,9 @@
                 </a:solidFill>
               </a:defRPr>
             </a:lvl3pPr>
-            <a:lvl4pPr marL="3657646" indent="0">
-              <a:buNone/>
-              <a:defRPr sz="4267">
+            <a:lvl4pPr marL="4389120" indent="0">
+              <a:buNone/>
+              <a:defRPr sz="5120">
                 <a:solidFill>
                   <a:schemeClr val="tx1">
                     <a:tint val="75000"/>
@@ -930,9 +930,9 @@
                 </a:solidFill>
               </a:defRPr>
             </a:lvl4pPr>
-            <a:lvl5pPr marL="4876861" indent="0">
-              <a:buNone/>
-              <a:defRPr sz="4267">
+            <a:lvl5pPr marL="5852160" indent="0">
+              <a:buNone/>
+              <a:defRPr sz="5120">
                 <a:solidFill>
                   <a:schemeClr val="tx1">
                     <a:tint val="75000"/>
@@ -940,9 +940,9 @@
                 </a:solidFill>
               </a:defRPr>
             </a:lvl5pPr>
-            <a:lvl6pPr marL="6096076" indent="0">
-              <a:buNone/>
-              <a:defRPr sz="4267">
+            <a:lvl6pPr marL="7315200" indent="0">
+              <a:buNone/>
+              <a:defRPr sz="5120">
                 <a:solidFill>
                   <a:schemeClr val="tx1">
                     <a:tint val="75000"/>
@@ -950,9 +950,9 @@
                 </a:solidFill>
               </a:defRPr>
             </a:lvl6pPr>
-            <a:lvl7pPr marL="7315291" indent="0">
-              <a:buNone/>
-              <a:defRPr sz="4267">
+            <a:lvl7pPr marL="8778240" indent="0">
+              <a:buNone/>
+              <a:defRPr sz="5120">
                 <a:solidFill>
                   <a:schemeClr val="tx1">
                     <a:tint val="75000"/>
@@ -960,9 +960,9 @@
                 </a:solidFill>
               </a:defRPr>
             </a:lvl7pPr>
-            <a:lvl8pPr marL="8534507" indent="0">
-              <a:buNone/>
-              <a:defRPr sz="4267">
+            <a:lvl8pPr marL="10241280" indent="0">
+              <a:buNone/>
+              <a:defRPr sz="5120">
                 <a:solidFill>
                   <a:schemeClr val="tx1">
                     <a:tint val="75000"/>
@@ -970,9 +970,9 @@
                 </a:solidFill>
               </a:defRPr>
             </a:lvl8pPr>
-            <a:lvl9pPr marL="9753722" indent="0">
-              <a:buNone/>
-              <a:defRPr sz="4267">
+            <a:lvl9pPr marL="11704320" indent="0">
+              <a:buNone/>
+              <a:defRPr sz="5120">
                 <a:solidFill>
                   <a:schemeClr val="tx1">
                     <a:tint val="75000"/>
@@ -1058,7 +1058,7 @@
     </p:spTree>
     <p:extLst>
       <p:ext uri="{BB962C8B-B14F-4D97-AF65-F5344CB8AC3E}">
-        <p14:creationId xmlns:p14="http://schemas.microsoft.com/office/powerpoint/2010/main" val="2009454971"/>
+        <p14:creationId xmlns:p14="http://schemas.microsoft.com/office/powerpoint/2010/main" val="525365274"/>
       </p:ext>
     </p:extLst>
   </p:cSld>
@@ -1120,8 +1120,8 @@
         </p:nvSpPr>
         <p:spPr>
           <a:xfrm>
-            <a:off x="1885950" y="4868333"/>
-            <a:ext cx="11658600" cy="11603568"/>
+            <a:off x="2263140" y="5842000"/>
+            <a:ext cx="13990320" cy="13924282"/>
           </a:xfrm>
         </p:spPr>
         <p:txBody>
@@ -1177,8 +1177,8 @@
         </p:nvSpPr>
         <p:spPr>
           <a:xfrm>
-            <a:off x="13887450" y="4868333"/>
-            <a:ext cx="11658600" cy="11603568"/>
+            <a:off x="16664940" y="5842000"/>
+            <a:ext cx="13990320" cy="13924282"/>
           </a:xfrm>
         </p:spPr>
         <p:txBody>
@@ -1290,7 +1290,7 @@
     </p:spTree>
     <p:extLst>
       <p:ext uri="{BB962C8B-B14F-4D97-AF65-F5344CB8AC3E}">
-        <p14:creationId xmlns:p14="http://schemas.microsoft.com/office/powerpoint/2010/main" val="1804517269"/>
+        <p14:creationId xmlns:p14="http://schemas.microsoft.com/office/powerpoint/2010/main" val="307604165"/>
       </p:ext>
     </p:extLst>
   </p:cSld>
@@ -1329,8 +1329,8 @@
         </p:nvSpPr>
         <p:spPr>
           <a:xfrm>
-            <a:off x="1889523" y="973671"/>
-            <a:ext cx="23660100" cy="3534835"/>
+            <a:off x="2267428" y="1168405"/>
+            <a:ext cx="28392120" cy="4241802"/>
           </a:xfrm>
         </p:spPr>
         <p:txBody>
@@ -1357,8 +1357,8 @@
         </p:nvSpPr>
         <p:spPr>
           <a:xfrm>
-            <a:off x="1889526" y="4483101"/>
-            <a:ext cx="11605020" cy="2197099"/>
+            <a:off x="2267431" y="5379722"/>
+            <a:ext cx="13926024" cy="2636518"/>
           </a:xfrm>
         </p:spPr>
         <p:txBody>
@@ -1366,39 +1366,39 @@
           <a:lstStyle>
             <a:lvl1pPr marL="0" indent="0">
               <a:buNone/>
+              <a:defRPr sz="7680" b="1"/>
+            </a:lvl1pPr>
+            <a:lvl2pPr marL="1463040" indent="0">
+              <a:buNone/>
               <a:defRPr sz="6400" b="1"/>
-            </a:lvl1pPr>
-            <a:lvl2pPr marL="1219215" indent="0">
-              <a:buNone/>
-              <a:defRPr sz="5333" b="1"/>
             </a:lvl2pPr>
-            <a:lvl3pPr marL="2438430" indent="0">
-              <a:buNone/>
-              <a:defRPr sz="4800" b="1"/>
+            <a:lvl3pPr marL="2926080" indent="0">
+              <a:buNone/>
+              <a:defRPr sz="5760" b="1"/>
             </a:lvl3pPr>
-            <a:lvl4pPr marL="3657646" indent="0">
-              <a:buNone/>
-              <a:defRPr sz="4267" b="1"/>
+            <a:lvl4pPr marL="4389120" indent="0">
+              <a:buNone/>
+              <a:defRPr sz="5120" b="1"/>
             </a:lvl4pPr>
-            <a:lvl5pPr marL="4876861" indent="0">
-              <a:buNone/>
-              <a:defRPr sz="4267" b="1"/>
+            <a:lvl5pPr marL="5852160" indent="0">
+              <a:buNone/>
+              <a:defRPr sz="5120" b="1"/>
             </a:lvl5pPr>
-            <a:lvl6pPr marL="6096076" indent="0">
-              <a:buNone/>
-              <a:defRPr sz="4267" b="1"/>
+            <a:lvl6pPr marL="7315200" indent="0">
+              <a:buNone/>
+              <a:defRPr sz="5120" b="1"/>
             </a:lvl6pPr>
-            <a:lvl7pPr marL="7315291" indent="0">
-              <a:buNone/>
-              <a:defRPr sz="4267" b="1"/>
+            <a:lvl7pPr marL="8778240" indent="0">
+              <a:buNone/>
+              <a:defRPr sz="5120" b="1"/>
             </a:lvl7pPr>
-            <a:lvl8pPr marL="8534507" indent="0">
-              <a:buNone/>
-              <a:defRPr sz="4267" b="1"/>
+            <a:lvl8pPr marL="10241280" indent="0">
+              <a:buNone/>
+              <a:defRPr sz="5120" b="1"/>
             </a:lvl8pPr>
-            <a:lvl9pPr marL="9753722" indent="0">
-              <a:buNone/>
-              <a:defRPr sz="4267" b="1"/>
+            <a:lvl9pPr marL="11704320" indent="0">
+              <a:buNone/>
+              <a:defRPr sz="5120" b="1"/>
             </a:lvl9pPr>
           </a:lstStyle>
           <a:p>
@@ -1422,8 +1422,8 @@
         </p:nvSpPr>
         <p:spPr>
           <a:xfrm>
-            <a:off x="1889526" y="6680200"/>
-            <a:ext cx="11605020" cy="9825568"/>
+            <a:off x="2267431" y="8016240"/>
+            <a:ext cx="13926024" cy="11790682"/>
           </a:xfrm>
         </p:spPr>
         <p:txBody>
@@ -1479,8 +1479,8 @@
         </p:nvSpPr>
         <p:spPr>
           <a:xfrm>
-            <a:off x="13887452" y="4483101"/>
-            <a:ext cx="11662173" cy="2197099"/>
+            <a:off x="16664942" y="5379722"/>
+            <a:ext cx="13994608" cy="2636518"/>
           </a:xfrm>
         </p:spPr>
         <p:txBody>
@@ -1488,39 +1488,39 @@
           <a:lstStyle>
             <a:lvl1pPr marL="0" indent="0">
               <a:buNone/>
+              <a:defRPr sz="7680" b="1"/>
+            </a:lvl1pPr>
+            <a:lvl2pPr marL="1463040" indent="0">
+              <a:buNone/>
               <a:defRPr sz="6400" b="1"/>
-            </a:lvl1pPr>
-            <a:lvl2pPr marL="1219215" indent="0">
-              <a:buNone/>
-              <a:defRPr sz="5333" b="1"/>
             </a:lvl2pPr>
-            <a:lvl3pPr marL="2438430" indent="0">
-              <a:buNone/>
-              <a:defRPr sz="4800" b="1"/>
+            <a:lvl3pPr marL="2926080" indent="0">
+              <a:buNone/>
+              <a:defRPr sz="5760" b="1"/>
             </a:lvl3pPr>
-            <a:lvl4pPr marL="3657646" indent="0">
-              <a:buNone/>
-              <a:defRPr sz="4267" b="1"/>
+            <a:lvl4pPr marL="4389120" indent="0">
+              <a:buNone/>
+              <a:defRPr sz="5120" b="1"/>
             </a:lvl4pPr>
-            <a:lvl5pPr marL="4876861" indent="0">
-              <a:buNone/>
-              <a:defRPr sz="4267" b="1"/>
+            <a:lvl5pPr marL="5852160" indent="0">
+              <a:buNone/>
+              <a:defRPr sz="5120" b="1"/>
             </a:lvl5pPr>
-            <a:lvl6pPr marL="6096076" indent="0">
-              <a:buNone/>
-              <a:defRPr sz="4267" b="1"/>
+            <a:lvl6pPr marL="7315200" indent="0">
+              <a:buNone/>
+              <a:defRPr sz="5120" b="1"/>
             </a:lvl6pPr>
-            <a:lvl7pPr marL="7315291" indent="0">
-              <a:buNone/>
-              <a:defRPr sz="4267" b="1"/>
+            <a:lvl7pPr marL="8778240" indent="0">
+              <a:buNone/>
+              <a:defRPr sz="5120" b="1"/>
             </a:lvl7pPr>
-            <a:lvl8pPr marL="8534507" indent="0">
-              <a:buNone/>
-              <a:defRPr sz="4267" b="1"/>
+            <a:lvl8pPr marL="10241280" indent="0">
+              <a:buNone/>
+              <a:defRPr sz="5120" b="1"/>
             </a:lvl8pPr>
-            <a:lvl9pPr marL="9753722" indent="0">
-              <a:buNone/>
-              <a:defRPr sz="4267" b="1"/>
+            <a:lvl9pPr marL="11704320" indent="0">
+              <a:buNone/>
+              <a:defRPr sz="5120" b="1"/>
             </a:lvl9pPr>
           </a:lstStyle>
           <a:p>
@@ -1544,8 +1544,8 @@
         </p:nvSpPr>
         <p:spPr>
           <a:xfrm>
-            <a:off x="13887452" y="6680200"/>
-            <a:ext cx="11662173" cy="9825568"/>
+            <a:off x="16664942" y="8016240"/>
+            <a:ext cx="13994608" cy="11790682"/>
           </a:xfrm>
         </p:spPr>
         <p:txBody>
@@ -1657,7 +1657,7 @@
     </p:spTree>
     <p:extLst>
       <p:ext uri="{BB962C8B-B14F-4D97-AF65-F5344CB8AC3E}">
-        <p14:creationId xmlns:p14="http://schemas.microsoft.com/office/powerpoint/2010/main" val="2369732342"/>
+        <p14:creationId xmlns:p14="http://schemas.microsoft.com/office/powerpoint/2010/main" val="461011448"/>
       </p:ext>
     </p:extLst>
   </p:cSld>
@@ -1775,7 +1775,7 @@
     </p:spTree>
     <p:extLst>
       <p:ext uri="{BB962C8B-B14F-4D97-AF65-F5344CB8AC3E}">
-        <p14:creationId xmlns:p14="http://schemas.microsoft.com/office/powerpoint/2010/main" val="757612632"/>
+        <p14:creationId xmlns:p14="http://schemas.microsoft.com/office/powerpoint/2010/main" val="473802792"/>
       </p:ext>
     </p:extLst>
   </p:cSld>
@@ -1870,7 +1870,7 @@
     </p:spTree>
     <p:extLst>
       <p:ext uri="{BB962C8B-B14F-4D97-AF65-F5344CB8AC3E}">
-        <p14:creationId xmlns:p14="http://schemas.microsoft.com/office/powerpoint/2010/main" val="3238867545"/>
+        <p14:creationId xmlns:p14="http://schemas.microsoft.com/office/powerpoint/2010/main" val="1865043070"/>
       </p:ext>
     </p:extLst>
   </p:cSld>
@@ -1909,15 +1909,15 @@
         </p:nvSpPr>
         <p:spPr>
           <a:xfrm>
-            <a:off x="1889523" y="1219200"/>
-            <a:ext cx="8847534" cy="4267200"/>
+            <a:off x="2267428" y="1463040"/>
+            <a:ext cx="10617041" cy="5120640"/>
           </a:xfrm>
         </p:spPr>
         <p:txBody>
           <a:bodyPr anchor="b"/>
           <a:lstStyle>
             <a:lvl1pPr>
-              <a:defRPr sz="8533"/>
+              <a:defRPr sz="10240"/>
             </a:lvl1pPr>
           </a:lstStyle>
           <a:p>
@@ -1941,39 +1941,39 @@
         </p:nvSpPr>
         <p:spPr>
           <a:xfrm>
-            <a:off x="11662173" y="2633138"/>
-            <a:ext cx="13887450" cy="12996333"/>
+            <a:off x="13994608" y="3159765"/>
+            <a:ext cx="16664940" cy="15595600"/>
           </a:xfrm>
         </p:spPr>
         <p:txBody>
           <a:bodyPr/>
           <a:lstStyle>
             <a:lvl1pPr>
-              <a:defRPr sz="8533"/>
+              <a:defRPr sz="10240"/>
             </a:lvl1pPr>
             <a:lvl2pPr>
-              <a:defRPr sz="7467"/>
+              <a:defRPr sz="8960"/>
             </a:lvl2pPr>
             <a:lvl3pPr>
-              <a:defRPr sz="6400"/>
+              <a:defRPr sz="7680"/>
             </a:lvl3pPr>
             <a:lvl4pPr>
-              <a:defRPr sz="5333"/>
+              <a:defRPr sz="6400"/>
             </a:lvl4pPr>
             <a:lvl5pPr>
-              <a:defRPr sz="5333"/>
+              <a:defRPr sz="6400"/>
             </a:lvl5pPr>
             <a:lvl6pPr>
-              <a:defRPr sz="5333"/>
+              <a:defRPr sz="6400"/>
             </a:lvl6pPr>
             <a:lvl7pPr>
-              <a:defRPr sz="5333"/>
+              <a:defRPr sz="6400"/>
             </a:lvl7pPr>
             <a:lvl8pPr>
-              <a:defRPr sz="5333"/>
+              <a:defRPr sz="6400"/>
             </a:lvl8pPr>
             <a:lvl9pPr>
-              <a:defRPr sz="5333"/>
+              <a:defRPr sz="6400"/>
             </a:lvl9pPr>
           </a:lstStyle>
           <a:p>
@@ -2026,8 +2026,8 @@
         </p:nvSpPr>
         <p:spPr>
           <a:xfrm>
-            <a:off x="1889523" y="5486400"/>
-            <a:ext cx="8847534" cy="10164235"/>
+            <a:off x="2267428" y="6583680"/>
+            <a:ext cx="10617041" cy="12197082"/>
           </a:xfrm>
         </p:spPr>
         <p:txBody>
@@ -2035,39 +2035,39 @@
           <a:lstStyle>
             <a:lvl1pPr marL="0" indent="0">
               <a:buNone/>
-              <a:defRPr sz="4267"/>
+              <a:defRPr sz="5120"/>
             </a:lvl1pPr>
-            <a:lvl2pPr marL="1219215" indent="0">
-              <a:buNone/>
-              <a:defRPr sz="3733"/>
+            <a:lvl2pPr marL="1463040" indent="0">
+              <a:buNone/>
+              <a:defRPr sz="4480"/>
             </a:lvl2pPr>
-            <a:lvl3pPr marL="2438430" indent="0">
+            <a:lvl3pPr marL="2926080" indent="0">
+              <a:buNone/>
+              <a:defRPr sz="3840"/>
+            </a:lvl3pPr>
+            <a:lvl4pPr marL="4389120" indent="0">
               <a:buNone/>
               <a:defRPr sz="3200"/>
-            </a:lvl3pPr>
-            <a:lvl4pPr marL="3657646" indent="0">
-              <a:buNone/>
-              <a:defRPr sz="2667"/>
             </a:lvl4pPr>
-            <a:lvl5pPr marL="4876861" indent="0">
-              <a:buNone/>
-              <a:defRPr sz="2667"/>
+            <a:lvl5pPr marL="5852160" indent="0">
+              <a:buNone/>
+              <a:defRPr sz="3200"/>
             </a:lvl5pPr>
-            <a:lvl6pPr marL="6096076" indent="0">
-              <a:buNone/>
-              <a:defRPr sz="2667"/>
+            <a:lvl6pPr marL="7315200" indent="0">
+              <a:buNone/>
+              <a:defRPr sz="3200"/>
             </a:lvl6pPr>
-            <a:lvl7pPr marL="7315291" indent="0">
-              <a:buNone/>
-              <a:defRPr sz="2667"/>
+            <a:lvl7pPr marL="8778240" indent="0">
+              <a:buNone/>
+              <a:defRPr sz="3200"/>
             </a:lvl7pPr>
-            <a:lvl8pPr marL="8534507" indent="0">
-              <a:buNone/>
-              <a:defRPr sz="2667"/>
+            <a:lvl8pPr marL="10241280" indent="0">
+              <a:buNone/>
+              <a:defRPr sz="3200"/>
             </a:lvl8pPr>
-            <a:lvl9pPr marL="9753722" indent="0">
-              <a:buNone/>
-              <a:defRPr sz="2667"/>
+            <a:lvl9pPr marL="11704320" indent="0">
+              <a:buNone/>
+              <a:defRPr sz="3200"/>
             </a:lvl9pPr>
           </a:lstStyle>
           <a:p>
@@ -2147,7 +2147,7 @@
     </p:spTree>
     <p:extLst>
       <p:ext uri="{BB962C8B-B14F-4D97-AF65-F5344CB8AC3E}">
-        <p14:creationId xmlns:p14="http://schemas.microsoft.com/office/powerpoint/2010/main" val="1213651950"/>
+        <p14:creationId xmlns:p14="http://schemas.microsoft.com/office/powerpoint/2010/main" val="211110535"/>
       </p:ext>
     </p:extLst>
   </p:cSld>
@@ -2186,15 +2186,15 @@
         </p:nvSpPr>
         <p:spPr>
           <a:xfrm>
-            <a:off x="1889523" y="1219200"/>
-            <a:ext cx="8847534" cy="4267200"/>
+            <a:off x="2267428" y="1463040"/>
+            <a:ext cx="10617041" cy="5120640"/>
           </a:xfrm>
         </p:spPr>
         <p:txBody>
           <a:bodyPr anchor="b"/>
           <a:lstStyle>
             <a:lvl1pPr>
-              <a:defRPr sz="8533"/>
+              <a:defRPr sz="10240"/>
             </a:lvl1pPr>
           </a:lstStyle>
           <a:p>
@@ -2218,8 +2218,8 @@
         </p:nvSpPr>
         <p:spPr>
           <a:xfrm>
-            <a:off x="11662173" y="2633138"/>
-            <a:ext cx="13887450" cy="12996333"/>
+            <a:off x="13994608" y="3159765"/>
+            <a:ext cx="16664940" cy="15595600"/>
           </a:xfrm>
         </p:spPr>
         <p:txBody>
@@ -2227,39 +2227,39 @@
           <a:lstStyle>
             <a:lvl1pPr marL="0" indent="0">
               <a:buNone/>
-              <a:defRPr sz="8533"/>
+              <a:defRPr sz="10240"/>
             </a:lvl1pPr>
-            <a:lvl2pPr marL="1219215" indent="0">
-              <a:buNone/>
-              <a:defRPr sz="7467"/>
+            <a:lvl2pPr marL="1463040" indent="0">
+              <a:buNone/>
+              <a:defRPr sz="8960"/>
             </a:lvl2pPr>
-            <a:lvl3pPr marL="2438430" indent="0">
+            <a:lvl3pPr marL="2926080" indent="0">
+              <a:buNone/>
+              <a:defRPr sz="7680"/>
+            </a:lvl3pPr>
+            <a:lvl4pPr marL="4389120" indent="0">
               <a:buNone/>
               <a:defRPr sz="6400"/>
-            </a:lvl3pPr>
-            <a:lvl4pPr marL="3657646" indent="0">
-              <a:buNone/>
-              <a:defRPr sz="5333"/>
             </a:lvl4pPr>
-            <a:lvl5pPr marL="4876861" indent="0">
-              <a:buNone/>
-              <a:defRPr sz="5333"/>
+            <a:lvl5pPr marL="5852160" indent="0">
+              <a:buNone/>
+              <a:defRPr sz="6400"/>
             </a:lvl5pPr>
-            <a:lvl6pPr marL="6096076" indent="0">
-              <a:buNone/>
-              <a:defRPr sz="5333"/>
+            <a:lvl6pPr marL="7315200" indent="0">
+              <a:buNone/>
+              <a:defRPr sz="6400"/>
             </a:lvl6pPr>
-            <a:lvl7pPr marL="7315291" indent="0">
-              <a:buNone/>
-              <a:defRPr sz="5333"/>
+            <a:lvl7pPr marL="8778240" indent="0">
+              <a:buNone/>
+              <a:defRPr sz="6400"/>
             </a:lvl7pPr>
-            <a:lvl8pPr marL="8534507" indent="0">
-              <a:buNone/>
-              <a:defRPr sz="5333"/>
+            <a:lvl8pPr marL="10241280" indent="0">
+              <a:buNone/>
+              <a:defRPr sz="6400"/>
             </a:lvl8pPr>
-            <a:lvl9pPr marL="9753722" indent="0">
-              <a:buNone/>
-              <a:defRPr sz="5333"/>
+            <a:lvl9pPr marL="11704320" indent="0">
+              <a:buNone/>
+              <a:defRPr sz="6400"/>
             </a:lvl9pPr>
           </a:lstStyle>
           <a:p>
@@ -2283,8 +2283,8 @@
         </p:nvSpPr>
         <p:spPr>
           <a:xfrm>
-            <a:off x="1889523" y="5486400"/>
-            <a:ext cx="8847534" cy="10164235"/>
+            <a:off x="2267428" y="6583680"/>
+            <a:ext cx="10617041" cy="12197082"/>
           </a:xfrm>
         </p:spPr>
         <p:txBody>
@@ -2292,39 +2292,39 @@
           <a:lstStyle>
             <a:lvl1pPr marL="0" indent="0">
               <a:buNone/>
-              <a:defRPr sz="4267"/>
+              <a:defRPr sz="5120"/>
             </a:lvl1pPr>
-            <a:lvl2pPr marL="1219215" indent="0">
-              <a:buNone/>
-              <a:defRPr sz="3733"/>
+            <a:lvl2pPr marL="1463040" indent="0">
+              <a:buNone/>
+              <a:defRPr sz="4480"/>
             </a:lvl2pPr>
-            <a:lvl3pPr marL="2438430" indent="0">
+            <a:lvl3pPr marL="2926080" indent="0">
+              <a:buNone/>
+              <a:defRPr sz="3840"/>
+            </a:lvl3pPr>
+            <a:lvl4pPr marL="4389120" indent="0">
               <a:buNone/>
               <a:defRPr sz="3200"/>
-            </a:lvl3pPr>
-            <a:lvl4pPr marL="3657646" indent="0">
-              <a:buNone/>
-              <a:defRPr sz="2667"/>
             </a:lvl4pPr>
-            <a:lvl5pPr marL="4876861" indent="0">
-              <a:buNone/>
-              <a:defRPr sz="2667"/>
+            <a:lvl5pPr marL="5852160" indent="0">
+              <a:buNone/>
+              <a:defRPr sz="3200"/>
             </a:lvl5pPr>
-            <a:lvl6pPr marL="6096076" indent="0">
-              <a:buNone/>
-              <a:defRPr sz="2667"/>
+            <a:lvl6pPr marL="7315200" indent="0">
+              <a:buNone/>
+              <a:defRPr sz="3200"/>
             </a:lvl6pPr>
-            <a:lvl7pPr marL="7315291" indent="0">
-              <a:buNone/>
-              <a:defRPr sz="2667"/>
+            <a:lvl7pPr marL="8778240" indent="0">
+              <a:buNone/>
+              <a:defRPr sz="3200"/>
             </a:lvl7pPr>
-            <a:lvl8pPr marL="8534507" indent="0">
-              <a:buNone/>
-              <a:defRPr sz="2667"/>
+            <a:lvl8pPr marL="10241280" indent="0">
+              <a:buNone/>
+              <a:defRPr sz="3200"/>
             </a:lvl8pPr>
-            <a:lvl9pPr marL="9753722" indent="0">
-              <a:buNone/>
-              <a:defRPr sz="2667"/>
+            <a:lvl9pPr marL="11704320" indent="0">
+              <a:buNone/>
+              <a:defRPr sz="3200"/>
             </a:lvl9pPr>
           </a:lstStyle>
           <a:p>
@@ -2404,7 +2404,7 @@
     </p:spTree>
     <p:extLst>
       <p:ext uri="{BB962C8B-B14F-4D97-AF65-F5344CB8AC3E}">
-        <p14:creationId xmlns:p14="http://schemas.microsoft.com/office/powerpoint/2010/main" val="2933209006"/>
+        <p14:creationId xmlns:p14="http://schemas.microsoft.com/office/powerpoint/2010/main" val="290175723"/>
       </p:ext>
     </p:extLst>
   </p:cSld>
@@ -2448,8 +2448,8 @@
         </p:nvSpPr>
         <p:spPr>
           <a:xfrm>
-            <a:off x="1885950" y="973671"/>
-            <a:ext cx="23660100" cy="3534835"/>
+            <a:off x="2263140" y="1168405"/>
+            <a:ext cx="28392120" cy="4241802"/>
           </a:xfrm>
           <a:prstGeom prst="rect">
             <a:avLst/>
@@ -2481,8 +2481,8 @@
         </p:nvSpPr>
         <p:spPr>
           <a:xfrm>
-            <a:off x="1885950" y="4868333"/>
-            <a:ext cx="23660100" cy="11603568"/>
+            <a:off x="2263140" y="5842000"/>
+            <a:ext cx="28392120" cy="13924282"/>
           </a:xfrm>
           <a:prstGeom prst="rect">
             <a:avLst/>
@@ -2543,8 +2543,8 @@
         </p:nvSpPr>
         <p:spPr>
           <a:xfrm>
-            <a:off x="1885950" y="16950271"/>
-            <a:ext cx="6172200" cy="973667"/>
+            <a:off x="2263140" y="20340325"/>
+            <a:ext cx="7406640" cy="1168400"/>
           </a:xfrm>
           <a:prstGeom prst="rect">
             <a:avLst/>
@@ -2554,7 +2554,7 @@
           <a:bodyPr vert="horz" lIns="91440" tIns="45720" rIns="91440" bIns="45720" rtlCol="0" anchor="ctr"/>
           <a:lstStyle>
             <a:lvl1pPr algn="l">
-              <a:defRPr sz="3200">
+              <a:defRPr sz="3840">
                 <a:solidFill>
                   <a:schemeClr val="tx1">
                     <a:tint val="75000"/>
@@ -2585,8 +2585,8 @@
         </p:nvSpPr>
         <p:spPr>
           <a:xfrm>
-            <a:off x="9086850" y="16950271"/>
-            <a:ext cx="9258300" cy="973667"/>
+            <a:off x="10904220" y="20340325"/>
+            <a:ext cx="11109960" cy="1168400"/>
           </a:xfrm>
           <a:prstGeom prst="rect">
             <a:avLst/>
@@ -2596,7 +2596,7 @@
           <a:bodyPr vert="horz" lIns="91440" tIns="45720" rIns="91440" bIns="45720" rtlCol="0" anchor="ctr"/>
           <a:lstStyle>
             <a:lvl1pPr algn="ctr">
-              <a:defRPr sz="3200">
+              <a:defRPr sz="3840">
                 <a:solidFill>
                   <a:schemeClr val="tx1">
                     <a:tint val="75000"/>
@@ -2622,8 +2622,8 @@
         </p:nvSpPr>
         <p:spPr>
           <a:xfrm>
-            <a:off x="19373850" y="16950271"/>
-            <a:ext cx="6172200" cy="973667"/>
+            <a:off x="23248620" y="20340325"/>
+            <a:ext cx="7406640" cy="1168400"/>
           </a:xfrm>
           <a:prstGeom prst="rect">
             <a:avLst/>
@@ -2633,7 +2633,7 @@
           <a:bodyPr vert="horz" lIns="91440" tIns="45720" rIns="91440" bIns="45720" rtlCol="0" anchor="ctr"/>
           <a:lstStyle>
             <a:lvl1pPr algn="r">
-              <a:defRPr sz="3200">
+              <a:defRPr sz="3840">
                 <a:solidFill>
                   <a:schemeClr val="tx1">
                     <a:tint val="75000"/>
@@ -2655,27 +2655,27 @@
     </p:spTree>
     <p:extLst>
       <p:ext uri="{BB962C8B-B14F-4D97-AF65-F5344CB8AC3E}">
-        <p14:creationId xmlns:p14="http://schemas.microsoft.com/office/powerpoint/2010/main" val="2653539313"/>
+        <p14:creationId xmlns:p14="http://schemas.microsoft.com/office/powerpoint/2010/main" val="2856863260"/>
       </p:ext>
     </p:extLst>
   </p:cSld>
   <p:clrMap bg1="lt1" tx1="dk1" bg2="lt2" tx2="dk2" accent1="accent1" accent2="accent2" accent3="accent3" accent4="accent4" accent5="accent5" accent6="accent6" hlink="hlink" folHlink="folHlink"/>
   <p:sldLayoutIdLst>
-    <p:sldLayoutId id="2147483685" r:id="rId1"/>
-    <p:sldLayoutId id="2147483686" r:id="rId2"/>
-    <p:sldLayoutId id="2147483687" r:id="rId3"/>
-    <p:sldLayoutId id="2147483688" r:id="rId4"/>
-    <p:sldLayoutId id="2147483689" r:id="rId5"/>
-    <p:sldLayoutId id="2147483690" r:id="rId6"/>
-    <p:sldLayoutId id="2147483691" r:id="rId7"/>
-    <p:sldLayoutId id="2147483692" r:id="rId8"/>
-    <p:sldLayoutId id="2147483693" r:id="rId9"/>
-    <p:sldLayoutId id="2147483694" r:id="rId10"/>
-    <p:sldLayoutId id="2147483695" r:id="rId11"/>
+    <p:sldLayoutId id="2147483697" r:id="rId1"/>
+    <p:sldLayoutId id="2147483698" r:id="rId2"/>
+    <p:sldLayoutId id="2147483699" r:id="rId3"/>
+    <p:sldLayoutId id="2147483700" r:id="rId4"/>
+    <p:sldLayoutId id="2147483701" r:id="rId5"/>
+    <p:sldLayoutId id="2147483702" r:id="rId6"/>
+    <p:sldLayoutId id="2147483703" r:id="rId7"/>
+    <p:sldLayoutId id="2147483704" r:id="rId8"/>
+    <p:sldLayoutId id="2147483705" r:id="rId9"/>
+    <p:sldLayoutId id="2147483706" r:id="rId10"/>
+    <p:sldLayoutId id="2147483707" r:id="rId11"/>
   </p:sldLayoutIdLst>
   <p:txStyles>
     <p:titleStyle>
-      <a:lvl1pPr algn="l" defTabSz="2438430" rtl="0" eaLnBrk="1" latinLnBrk="0" hangingPunct="1">
+      <a:lvl1pPr algn="l" defTabSz="2926080" rtl="0" eaLnBrk="1" latinLnBrk="0" hangingPunct="1">
         <a:lnSpc>
           <a:spcPct val="90000"/>
         </a:lnSpc>
@@ -2683,7 +2683,7 @@
           <a:spcPct val="0"/>
         </a:spcBef>
         <a:buNone/>
-        <a:defRPr sz="11733" kern="1200">
+        <a:defRPr sz="14080" kern="1200">
           <a:solidFill>
             <a:schemeClr val="tx1"/>
           </a:solidFill>
@@ -2694,16 +2694,16 @@
       </a:lvl1pPr>
     </p:titleStyle>
     <p:bodyStyle>
-      <a:lvl1pPr marL="609608" indent="-609608" algn="l" defTabSz="2438430" rtl="0" eaLnBrk="1" latinLnBrk="0" hangingPunct="1">
+      <a:lvl1pPr marL="731520" indent="-731520" algn="l" defTabSz="2926080" rtl="0" eaLnBrk="1" latinLnBrk="0" hangingPunct="1">
         <a:lnSpc>
           <a:spcPct val="90000"/>
         </a:lnSpc>
         <a:spcBef>
-          <a:spcPts val="2667"/>
+          <a:spcPts val="3200"/>
         </a:spcBef>
         <a:buFont typeface="Arial" panose="020B0604020202020204" pitchFamily="34" charset="0"/>
         <a:buChar char="•"/>
-        <a:defRPr sz="7467" kern="1200">
+        <a:defRPr sz="8960" kern="1200">
           <a:solidFill>
             <a:schemeClr val="tx1"/>
           </a:solidFill>
@@ -2712,12 +2712,30 @@
           <a:cs typeface="+mn-cs"/>
         </a:defRPr>
       </a:lvl1pPr>
-      <a:lvl2pPr marL="1828823" indent="-609608" algn="l" defTabSz="2438430" rtl="0" eaLnBrk="1" latinLnBrk="0" hangingPunct="1">
+      <a:lvl2pPr marL="2194560" indent="-731520" algn="l" defTabSz="2926080" rtl="0" eaLnBrk="1" latinLnBrk="0" hangingPunct="1">
         <a:lnSpc>
           <a:spcPct val="90000"/>
         </a:lnSpc>
         <a:spcBef>
-          <a:spcPts val="1333"/>
+          <a:spcPts val="1600"/>
+        </a:spcBef>
+        <a:buFont typeface="Arial" panose="020B0604020202020204" pitchFamily="34" charset="0"/>
+        <a:buChar char="•"/>
+        <a:defRPr sz="7680" kern="1200">
+          <a:solidFill>
+            <a:schemeClr val="tx1"/>
+          </a:solidFill>
+          <a:latin typeface="+mn-lt"/>
+          <a:ea typeface="+mn-ea"/>
+          <a:cs typeface="+mn-cs"/>
+        </a:defRPr>
+      </a:lvl2pPr>
+      <a:lvl3pPr marL="3657600" indent="-731520" algn="l" defTabSz="2926080" rtl="0" eaLnBrk="1" latinLnBrk="0" hangingPunct="1">
+        <a:lnSpc>
+          <a:spcPct val="90000"/>
+        </a:lnSpc>
+        <a:spcBef>
+          <a:spcPts val="1600"/>
         </a:spcBef>
         <a:buFont typeface="Arial" panose="020B0604020202020204" pitchFamily="34" charset="0"/>
         <a:buChar char="•"/>
@@ -2729,35 +2747,17 @@
           <a:ea typeface="+mn-ea"/>
           <a:cs typeface="+mn-cs"/>
         </a:defRPr>
-      </a:lvl2pPr>
-      <a:lvl3pPr marL="3048038" indent="-609608" algn="l" defTabSz="2438430" rtl="0" eaLnBrk="1" latinLnBrk="0" hangingPunct="1">
+      </a:lvl3pPr>
+      <a:lvl4pPr marL="5120640" indent="-731520" algn="l" defTabSz="2926080" rtl="0" eaLnBrk="1" latinLnBrk="0" hangingPunct="1">
         <a:lnSpc>
           <a:spcPct val="90000"/>
         </a:lnSpc>
         <a:spcBef>
-          <a:spcPts val="1333"/>
+          <a:spcPts val="1600"/>
         </a:spcBef>
         <a:buFont typeface="Arial" panose="020B0604020202020204" pitchFamily="34" charset="0"/>
         <a:buChar char="•"/>
-        <a:defRPr sz="5333" kern="1200">
-          <a:solidFill>
-            <a:schemeClr val="tx1"/>
-          </a:solidFill>
-          <a:latin typeface="+mn-lt"/>
-          <a:ea typeface="+mn-ea"/>
-          <a:cs typeface="+mn-cs"/>
-        </a:defRPr>
-      </a:lvl3pPr>
-      <a:lvl4pPr marL="4267253" indent="-609608" algn="l" defTabSz="2438430" rtl="0" eaLnBrk="1" latinLnBrk="0" hangingPunct="1">
-        <a:lnSpc>
-          <a:spcPct val="90000"/>
-        </a:lnSpc>
-        <a:spcBef>
-          <a:spcPts val="1333"/>
-        </a:spcBef>
-        <a:buFont typeface="Arial" panose="020B0604020202020204" pitchFamily="34" charset="0"/>
-        <a:buChar char="•"/>
-        <a:defRPr sz="4800" kern="1200">
+        <a:defRPr sz="5760" kern="1200">
           <a:solidFill>
             <a:schemeClr val="tx1"/>
           </a:solidFill>
@@ -2766,16 +2766,16 @@
           <a:cs typeface="+mn-cs"/>
         </a:defRPr>
       </a:lvl4pPr>
-      <a:lvl5pPr marL="5486469" indent="-609608" algn="l" defTabSz="2438430" rtl="0" eaLnBrk="1" latinLnBrk="0" hangingPunct="1">
+      <a:lvl5pPr marL="6583680" indent="-731520" algn="l" defTabSz="2926080" rtl="0" eaLnBrk="1" latinLnBrk="0" hangingPunct="1">
         <a:lnSpc>
           <a:spcPct val="90000"/>
         </a:lnSpc>
         <a:spcBef>
-          <a:spcPts val="1333"/>
+          <a:spcPts val="1600"/>
         </a:spcBef>
         <a:buFont typeface="Arial" panose="020B0604020202020204" pitchFamily="34" charset="0"/>
         <a:buChar char="•"/>
-        <a:defRPr sz="4800" kern="1200">
+        <a:defRPr sz="5760" kern="1200">
           <a:solidFill>
             <a:schemeClr val="tx1"/>
           </a:solidFill>
@@ -2784,16 +2784,16 @@
           <a:cs typeface="+mn-cs"/>
         </a:defRPr>
       </a:lvl5pPr>
-      <a:lvl6pPr marL="6705684" indent="-609608" algn="l" defTabSz="2438430" rtl="0" eaLnBrk="1" latinLnBrk="0" hangingPunct="1">
+      <a:lvl6pPr marL="8046720" indent="-731520" algn="l" defTabSz="2926080" rtl="0" eaLnBrk="1" latinLnBrk="0" hangingPunct="1">
         <a:lnSpc>
           <a:spcPct val="90000"/>
         </a:lnSpc>
         <a:spcBef>
-          <a:spcPts val="1333"/>
+          <a:spcPts val="1600"/>
         </a:spcBef>
         <a:buFont typeface="Arial" panose="020B0604020202020204" pitchFamily="34" charset="0"/>
         <a:buChar char="•"/>
-        <a:defRPr sz="4800" kern="1200">
+        <a:defRPr sz="5760" kern="1200">
           <a:solidFill>
             <a:schemeClr val="tx1"/>
           </a:solidFill>
@@ -2802,16 +2802,16 @@
           <a:cs typeface="+mn-cs"/>
         </a:defRPr>
       </a:lvl6pPr>
-      <a:lvl7pPr marL="7924899" indent="-609608" algn="l" defTabSz="2438430" rtl="0" eaLnBrk="1" latinLnBrk="0" hangingPunct="1">
+      <a:lvl7pPr marL="9509760" indent="-731520" algn="l" defTabSz="2926080" rtl="0" eaLnBrk="1" latinLnBrk="0" hangingPunct="1">
         <a:lnSpc>
           <a:spcPct val="90000"/>
         </a:lnSpc>
         <a:spcBef>
-          <a:spcPts val="1333"/>
+          <a:spcPts val="1600"/>
         </a:spcBef>
         <a:buFont typeface="Arial" panose="020B0604020202020204" pitchFamily="34" charset="0"/>
         <a:buChar char="•"/>
-        <a:defRPr sz="4800" kern="1200">
+        <a:defRPr sz="5760" kern="1200">
           <a:solidFill>
             <a:schemeClr val="tx1"/>
           </a:solidFill>
@@ -2820,16 +2820,16 @@
           <a:cs typeface="+mn-cs"/>
         </a:defRPr>
       </a:lvl7pPr>
-      <a:lvl8pPr marL="9144114" indent="-609608" algn="l" defTabSz="2438430" rtl="0" eaLnBrk="1" latinLnBrk="0" hangingPunct="1">
+      <a:lvl8pPr marL="10972800" indent="-731520" algn="l" defTabSz="2926080" rtl="0" eaLnBrk="1" latinLnBrk="0" hangingPunct="1">
         <a:lnSpc>
           <a:spcPct val="90000"/>
         </a:lnSpc>
         <a:spcBef>
-          <a:spcPts val="1333"/>
+          <a:spcPts val="1600"/>
         </a:spcBef>
         <a:buFont typeface="Arial" panose="020B0604020202020204" pitchFamily="34" charset="0"/>
         <a:buChar char="•"/>
-        <a:defRPr sz="4800" kern="1200">
+        <a:defRPr sz="5760" kern="1200">
           <a:solidFill>
             <a:schemeClr val="tx1"/>
           </a:solidFill>
@@ -2838,16 +2838,16 @@
           <a:cs typeface="+mn-cs"/>
         </a:defRPr>
       </a:lvl8pPr>
-      <a:lvl9pPr marL="10363330" indent="-609608" algn="l" defTabSz="2438430" rtl="0" eaLnBrk="1" latinLnBrk="0" hangingPunct="1">
+      <a:lvl9pPr marL="12435840" indent="-731520" algn="l" defTabSz="2926080" rtl="0" eaLnBrk="1" latinLnBrk="0" hangingPunct="1">
         <a:lnSpc>
           <a:spcPct val="90000"/>
         </a:lnSpc>
         <a:spcBef>
-          <a:spcPts val="1333"/>
+          <a:spcPts val="1600"/>
         </a:spcBef>
         <a:buFont typeface="Arial" panose="020B0604020202020204" pitchFamily="34" charset="0"/>
         <a:buChar char="•"/>
-        <a:defRPr sz="4800" kern="1200">
+        <a:defRPr sz="5760" kern="1200">
           <a:solidFill>
             <a:schemeClr val="tx1"/>
           </a:solidFill>
@@ -2861,8 +2861,8 @@
       <a:defPPr>
         <a:defRPr lang="en-US"/>
       </a:defPPr>
-      <a:lvl1pPr marL="0" algn="l" defTabSz="2438430" rtl="0" eaLnBrk="1" latinLnBrk="0" hangingPunct="1">
-        <a:defRPr sz="4800" kern="1200">
+      <a:lvl1pPr marL="0" algn="l" defTabSz="2926080" rtl="0" eaLnBrk="1" latinLnBrk="0" hangingPunct="1">
+        <a:defRPr sz="5760" kern="1200">
           <a:solidFill>
             <a:schemeClr val="tx1"/>
           </a:solidFill>
@@ -2871,8 +2871,8 @@
           <a:cs typeface="+mn-cs"/>
         </a:defRPr>
       </a:lvl1pPr>
-      <a:lvl2pPr marL="1219215" algn="l" defTabSz="2438430" rtl="0" eaLnBrk="1" latinLnBrk="0" hangingPunct="1">
-        <a:defRPr sz="4800" kern="1200">
+      <a:lvl2pPr marL="1463040" algn="l" defTabSz="2926080" rtl="0" eaLnBrk="1" latinLnBrk="0" hangingPunct="1">
+        <a:defRPr sz="5760" kern="1200">
           <a:solidFill>
             <a:schemeClr val="tx1"/>
           </a:solidFill>
@@ -2881,8 +2881,8 @@
           <a:cs typeface="+mn-cs"/>
         </a:defRPr>
       </a:lvl2pPr>
-      <a:lvl3pPr marL="2438430" algn="l" defTabSz="2438430" rtl="0" eaLnBrk="1" latinLnBrk="0" hangingPunct="1">
-        <a:defRPr sz="4800" kern="1200">
+      <a:lvl3pPr marL="2926080" algn="l" defTabSz="2926080" rtl="0" eaLnBrk="1" latinLnBrk="0" hangingPunct="1">
+        <a:defRPr sz="5760" kern="1200">
           <a:solidFill>
             <a:schemeClr val="tx1"/>
           </a:solidFill>
@@ -2891,8 +2891,8 @@
           <a:cs typeface="+mn-cs"/>
         </a:defRPr>
       </a:lvl3pPr>
-      <a:lvl4pPr marL="3657646" algn="l" defTabSz="2438430" rtl="0" eaLnBrk="1" latinLnBrk="0" hangingPunct="1">
-        <a:defRPr sz="4800" kern="1200">
+      <a:lvl4pPr marL="4389120" algn="l" defTabSz="2926080" rtl="0" eaLnBrk="1" latinLnBrk="0" hangingPunct="1">
+        <a:defRPr sz="5760" kern="1200">
           <a:solidFill>
             <a:schemeClr val="tx1"/>
           </a:solidFill>
@@ -2901,8 +2901,8 @@
           <a:cs typeface="+mn-cs"/>
         </a:defRPr>
       </a:lvl4pPr>
-      <a:lvl5pPr marL="4876861" algn="l" defTabSz="2438430" rtl="0" eaLnBrk="1" latinLnBrk="0" hangingPunct="1">
-        <a:defRPr sz="4800" kern="1200">
+      <a:lvl5pPr marL="5852160" algn="l" defTabSz="2926080" rtl="0" eaLnBrk="1" latinLnBrk="0" hangingPunct="1">
+        <a:defRPr sz="5760" kern="1200">
           <a:solidFill>
             <a:schemeClr val="tx1"/>
           </a:solidFill>
@@ -2911,8 +2911,8 @@
           <a:cs typeface="+mn-cs"/>
         </a:defRPr>
       </a:lvl5pPr>
-      <a:lvl6pPr marL="6096076" algn="l" defTabSz="2438430" rtl="0" eaLnBrk="1" latinLnBrk="0" hangingPunct="1">
-        <a:defRPr sz="4800" kern="1200">
+      <a:lvl6pPr marL="7315200" algn="l" defTabSz="2926080" rtl="0" eaLnBrk="1" latinLnBrk="0" hangingPunct="1">
+        <a:defRPr sz="5760" kern="1200">
           <a:solidFill>
             <a:schemeClr val="tx1"/>
           </a:solidFill>
@@ -2921,8 +2921,8 @@
           <a:cs typeface="+mn-cs"/>
         </a:defRPr>
       </a:lvl6pPr>
-      <a:lvl7pPr marL="7315291" algn="l" defTabSz="2438430" rtl="0" eaLnBrk="1" latinLnBrk="0" hangingPunct="1">
-        <a:defRPr sz="4800" kern="1200">
+      <a:lvl7pPr marL="8778240" algn="l" defTabSz="2926080" rtl="0" eaLnBrk="1" latinLnBrk="0" hangingPunct="1">
+        <a:defRPr sz="5760" kern="1200">
           <a:solidFill>
             <a:schemeClr val="tx1"/>
           </a:solidFill>
@@ -2931,8 +2931,8 @@
           <a:cs typeface="+mn-cs"/>
         </a:defRPr>
       </a:lvl7pPr>
-      <a:lvl8pPr marL="8534507" algn="l" defTabSz="2438430" rtl="0" eaLnBrk="1" latinLnBrk="0" hangingPunct="1">
-        <a:defRPr sz="4800" kern="1200">
+      <a:lvl8pPr marL="10241280" algn="l" defTabSz="2926080" rtl="0" eaLnBrk="1" latinLnBrk="0" hangingPunct="1">
+        <a:defRPr sz="5760" kern="1200">
           <a:solidFill>
             <a:schemeClr val="tx1"/>
           </a:solidFill>
@@ -2941,8 +2941,8 @@
           <a:cs typeface="+mn-cs"/>
         </a:defRPr>
       </a:lvl8pPr>
-      <a:lvl9pPr marL="9753722" algn="l" defTabSz="2438430" rtl="0" eaLnBrk="1" latinLnBrk="0" hangingPunct="1">
-        <a:defRPr sz="4800" kern="1200">
+      <a:lvl9pPr marL="11704320" algn="l" defTabSz="2926080" rtl="0" eaLnBrk="1" latinLnBrk="0" hangingPunct="1">
+        <a:defRPr sz="5760" kern="1200">
           <a:solidFill>
             <a:schemeClr val="tx1"/>
           </a:solidFill>
@@ -2973,6 +2973,36 @@
           <a:chExt cx="0" cy="0"/>
         </a:xfrm>
       </p:grpSpPr>
+      <p:pic>
+        <p:nvPicPr>
+          <p:cNvPr id="44" name="Picture 43">
+            <a:extLst>
+              <a:ext uri="{FF2B5EF4-FFF2-40B4-BE49-F238E27FC236}">
+                <a16:creationId xmlns:a16="http://schemas.microsoft.com/office/drawing/2014/main" id="{F1B1102B-6B1E-4EA8-B7FA-E30697BA911C}"/>
+              </a:ext>
+            </a:extLst>
+          </p:cNvPr>
+          <p:cNvPicPr>
+            <a:picLocks noChangeAspect="1"/>
+          </p:cNvPicPr>
+          <p:nvPr/>
+        </p:nvPicPr>
+        <p:blipFill>
+          <a:blip r:embed="rId2"/>
+          <a:stretch>
+            <a:fillRect/>
+          </a:stretch>
+        </p:blipFill>
+        <p:spPr>
+          <a:xfrm>
+            <a:off x="12956478" y="5663807"/>
+            <a:ext cx="17984566" cy="7449013"/>
+          </a:xfrm>
+          <a:prstGeom prst="rect">
+            <a:avLst/>
+          </a:prstGeom>
+        </p:spPr>
+      </p:pic>
       <p:grpSp>
         <p:nvGrpSpPr>
           <p:cNvPr id="2" name="Group 1">
@@ -2987,8 +3017,8 @@
         </p:nvGrpSpPr>
         <p:grpSpPr>
           <a:xfrm>
-            <a:off x="0" y="0"/>
-            <a:ext cx="27443947" cy="3357696"/>
+            <a:off x="1" y="0"/>
+            <a:ext cx="32932736" cy="4029235"/>
             <a:chOff x="0" y="0"/>
             <a:chExt cx="32932736" cy="4029235"/>
           </a:xfrm>
@@ -3039,7 +3069,7 @@
             </a:fontRef>
           </p:style>
           <p:txBody>
-            <a:bodyPr rot="0" spcFirstLastPara="0" vertOverflow="overflow" horzOverflow="overflow" vert="horz" wrap="square" lIns="50800" tIns="25400" rIns="50800" bIns="25400" numCol="1" spcCol="0" rtlCol="0" fromWordArt="0" anchor="ctr" anchorCtr="0" forceAA="0" compatLnSpc="1">
+            <a:bodyPr rot="0" spcFirstLastPara="0" vertOverflow="overflow" horzOverflow="overflow" vert="horz" wrap="square" lIns="60960" tIns="30480" rIns="60960" bIns="30480" numCol="1" spcCol="0" rtlCol="0" fromWordArt="0" anchor="ctr" anchorCtr="0" forceAA="0" compatLnSpc="1">
               <a:prstTxWarp prst="textNoShape">
                 <a:avLst/>
               </a:prstTxWarp>
@@ -3048,7 +3078,7 @@
             <a:lstStyle/>
             <a:p>
               <a:pPr algn="ctr"/>
-              <a:endParaRPr lang="en-US" sz="2880" dirty="0">
+              <a:endParaRPr lang="en-US" sz="3456" dirty="0">
                 <a:latin typeface="Crimson Roman"/>
               </a:endParaRPr>
             </a:p>
@@ -3100,7 +3130,7 @@
             </a:fontRef>
           </p:style>
           <p:txBody>
-            <a:bodyPr rot="0" spcFirstLastPara="0" vertOverflow="overflow" horzOverflow="overflow" vert="horz" wrap="square" lIns="50800" tIns="25400" rIns="50800" bIns="25400" numCol="1" spcCol="0" rtlCol="0" fromWordArt="0" anchor="ctr" anchorCtr="0" forceAA="0" compatLnSpc="1">
+            <a:bodyPr rot="0" spcFirstLastPara="0" vertOverflow="overflow" horzOverflow="overflow" vert="horz" wrap="square" lIns="60960" tIns="30480" rIns="60960" bIns="30480" numCol="1" spcCol="0" rtlCol="0" fromWordArt="0" anchor="ctr" anchorCtr="0" forceAA="0" compatLnSpc="1">
               <a:prstTxWarp prst="textNoShape">
                 <a:avLst/>
               </a:prstTxWarp>
@@ -3109,7 +3139,7 @@
             <a:lstStyle/>
             <a:p>
               <a:pPr algn="ctr"/>
-              <a:endParaRPr lang="en-US" sz="2880" dirty="0">
+              <a:endParaRPr lang="en-US" sz="3456" dirty="0">
                 <a:latin typeface="Source Sans Pro Regular"/>
               </a:endParaRPr>
             </a:p>
@@ -3130,7 +3160,7 @@
             <p:nvPr/>
           </p:nvPicPr>
           <p:blipFill>
-            <a:blip r:embed="rId2"/>
+            <a:blip r:embed="rId3"/>
             <a:stretch>
               <a:fillRect/>
             </a:stretch>
@@ -3191,7 +3221,7 @@
             </a:fontRef>
           </p:style>
           <p:txBody>
-            <a:bodyPr rot="0" spcFirstLastPara="0" vertOverflow="overflow" horzOverflow="overflow" vert="horz" wrap="square" lIns="50800" tIns="25400" rIns="50800" bIns="25400" numCol="1" spcCol="0" rtlCol="0" fromWordArt="0" anchor="ctr" anchorCtr="0" forceAA="0" compatLnSpc="1">
+            <a:bodyPr rot="0" spcFirstLastPara="0" vertOverflow="overflow" horzOverflow="overflow" vert="horz" wrap="square" lIns="60960" tIns="30480" rIns="60960" bIns="30480" numCol="1" spcCol="0" rtlCol="0" fromWordArt="0" anchor="ctr" anchorCtr="0" forceAA="0" compatLnSpc="1">
               <a:prstTxWarp prst="textNoShape">
                 <a:avLst/>
               </a:prstTxWarp>
@@ -3200,7 +3230,7 @@
             <a:lstStyle/>
             <a:p>
               <a:pPr algn="ctr"/>
-              <a:endParaRPr lang="en-US" sz="2880" dirty="0">
+              <a:endParaRPr lang="en-US" sz="3456" dirty="0">
                 <a:latin typeface="Source Sans Pro Regular"/>
               </a:endParaRPr>
             </a:p>
@@ -3252,7 +3282,7 @@
             </a:fontRef>
           </p:style>
           <p:txBody>
-            <a:bodyPr rot="0" spcFirstLastPara="0" vertOverflow="overflow" horzOverflow="overflow" vert="horz" wrap="square" lIns="50800" tIns="25400" rIns="50800" bIns="25400" numCol="1" spcCol="0" rtlCol="0" fromWordArt="0" anchor="ctr" anchorCtr="0" forceAA="0" compatLnSpc="1">
+            <a:bodyPr rot="0" spcFirstLastPara="0" vertOverflow="overflow" horzOverflow="overflow" vert="horz" wrap="square" lIns="60960" tIns="30480" rIns="60960" bIns="30480" numCol="1" spcCol="0" rtlCol="0" fromWordArt="0" anchor="ctr" anchorCtr="0" forceAA="0" compatLnSpc="1">
               <a:prstTxWarp prst="textNoShape">
                 <a:avLst/>
               </a:prstTxWarp>
@@ -3261,7 +3291,7 @@
             <a:lstStyle/>
             <a:p>
               <a:pPr algn="ctr"/>
-              <a:endParaRPr lang="en-US" sz="2880" dirty="0">
+              <a:endParaRPr lang="en-US" sz="3456" dirty="0">
                 <a:latin typeface="Crimson Roman"/>
               </a:endParaRPr>
             </a:p>
@@ -3313,7 +3343,7 @@
             </a:fontRef>
           </p:style>
           <p:txBody>
-            <a:bodyPr rot="0" spcFirstLastPara="0" vertOverflow="overflow" horzOverflow="overflow" vert="horz" wrap="square" lIns="50800" tIns="25400" rIns="50800" bIns="25400" numCol="1" spcCol="0" rtlCol="0" fromWordArt="0" anchor="ctr" anchorCtr="0" forceAA="0" compatLnSpc="1">
+            <a:bodyPr rot="0" spcFirstLastPara="0" vertOverflow="overflow" horzOverflow="overflow" vert="horz" wrap="square" lIns="60960" tIns="30480" rIns="60960" bIns="30480" numCol="1" spcCol="0" rtlCol="0" fromWordArt="0" anchor="ctr" anchorCtr="0" forceAA="0" compatLnSpc="1">
               <a:prstTxWarp prst="textNoShape">
                 <a:avLst/>
               </a:prstTxWarp>
@@ -3322,7 +3352,7 @@
             <a:lstStyle/>
             <a:p>
               <a:pPr algn="ctr"/>
-              <a:endParaRPr lang="en-US" sz="2880" dirty="0">
+              <a:endParaRPr lang="en-US" sz="3456" dirty="0">
                 <a:solidFill>
                   <a:srgbClr val="8C1515"/>
                 </a:solidFill>
@@ -3346,8 +3376,8 @@
         </p:nvSpPr>
         <p:spPr>
           <a:xfrm>
-            <a:off x="6404308" y="333781"/>
-            <a:ext cx="17725692" cy="1246495"/>
+            <a:off x="7685170" y="400537"/>
+            <a:ext cx="21270830" cy="1477328"/>
           </a:xfrm>
           <a:prstGeom prst="rect">
             <a:avLst/>
@@ -3362,7 +3392,7 @@
           <a:p>
             <a:pPr algn="ctr"/>
             <a:r>
-              <a:rPr lang="en-US" sz="7500" dirty="0">
+              <a:rPr lang="en-US" sz="9000" dirty="0">
                 <a:solidFill>
                   <a:schemeClr val="bg1"/>
                 </a:solidFill>
@@ -3388,15 +3418,15 @@
           <p:nvPr/>
         </p:nvPicPr>
         <p:blipFill>
-          <a:blip r:embed="rId3"/>
+          <a:blip r:embed="rId4"/>
           <a:stretch>
             <a:fillRect/>
           </a:stretch>
         </p:blipFill>
         <p:spPr>
           <a:xfrm>
-            <a:off x="24671010" y="2135444"/>
-            <a:ext cx="1651796" cy="1101198"/>
+            <a:off x="29605212" y="2562533"/>
+            <a:ext cx="1982155" cy="1321438"/>
           </a:xfrm>
           <a:prstGeom prst="rect">
             <a:avLst/>
@@ -3417,8 +3447,8 @@
         </p:nvSpPr>
         <p:spPr>
           <a:xfrm>
-            <a:off x="24856583" y="2844503"/>
-            <a:ext cx="3127076" cy="408702"/>
+            <a:off x="29827900" y="3413404"/>
+            <a:ext cx="3752491" cy="471989"/>
           </a:xfrm>
           <a:prstGeom prst="rect">
             <a:avLst/>
@@ -3432,7 +3462,7 @@
           <a:lstStyle/>
           <a:p>
             <a:r>
-              <a:rPr lang="en-US" sz="2056" dirty="0">
+              <a:rPr lang="en-US" sz="2467" dirty="0">
                 <a:solidFill>
                   <a:srgbClr val="2E2D29"/>
                 </a:solidFill>
@@ -3457,8 +3487,8 @@
         </p:nvSpPr>
         <p:spPr>
           <a:xfrm>
-            <a:off x="6312868" y="1406325"/>
-            <a:ext cx="17725692" cy="707886"/>
+            <a:off x="7575442" y="1687591"/>
+            <a:ext cx="21270830" cy="830997"/>
           </a:xfrm>
           <a:prstGeom prst="rect">
             <a:avLst/>
@@ -3473,7 +3503,7 @@
           <a:p>
             <a:pPr algn="ctr"/>
             <a:r>
-              <a:rPr lang="en-US" sz="4000" i="1" dirty="0">
+              <a:rPr lang="en-US" sz="4800" i="1" dirty="0">
                 <a:solidFill>
                   <a:schemeClr val="bg1"/>
                 </a:solidFill>
@@ -3498,8 +3528,8 @@
         </p:nvSpPr>
         <p:spPr>
           <a:xfrm>
-            <a:off x="6404307" y="2035090"/>
-            <a:ext cx="17725692" cy="492443"/>
+            <a:off x="7685169" y="2442108"/>
+            <a:ext cx="21270830" cy="572464"/>
           </a:xfrm>
           <a:prstGeom prst="rect">
             <a:avLst/>
@@ -3514,7 +3544,7 @@
           <a:p>
             <a:pPr algn="ctr"/>
             <a:r>
-              <a:rPr lang="en-US" sz="2600" i="1" dirty="0">
+              <a:rPr lang="en-US" sz="3120" i="1" dirty="0">
                 <a:solidFill>
                   <a:schemeClr val="bg1"/>
                 </a:solidFill>
@@ -3539,8 +3569,8 @@
         </p:nvSpPr>
         <p:spPr>
           <a:xfrm>
-            <a:off x="6404307" y="2395533"/>
-            <a:ext cx="17725692" cy="492443"/>
+            <a:off x="7685169" y="2874640"/>
+            <a:ext cx="21270830" cy="572464"/>
           </a:xfrm>
           <a:prstGeom prst="rect">
             <a:avLst/>
@@ -3555,7 +3585,7 @@
           <a:p>
             <a:pPr algn="ctr"/>
             <a:r>
-              <a:rPr lang="en-US" sz="2600" i="1" dirty="0">
+              <a:rPr lang="en-US" sz="3120" i="1" dirty="0">
                 <a:solidFill>
                   <a:schemeClr val="bg1"/>
                 </a:solidFill>
@@ -3580,10 +3610,10 @@
         </p:nvGrpSpPr>
         <p:grpSpPr>
           <a:xfrm>
-            <a:off x="184002" y="3433062"/>
-            <a:ext cx="8639848" cy="902686"/>
+            <a:off x="220802" y="4119672"/>
+            <a:ext cx="10367818" cy="923330"/>
             <a:chOff x="7655317" y="6043852"/>
-            <a:chExt cx="11061396" cy="1412692"/>
+            <a:chExt cx="11061396" cy="1204167"/>
           </a:xfrm>
         </p:grpSpPr>
         <p:sp>
@@ -3601,7 +3631,7 @@
           <p:spPr>
             <a:xfrm>
               <a:off x="7655317" y="6043852"/>
-              <a:ext cx="5064464" cy="1412692"/>
+              <a:ext cx="3518305" cy="1204167"/>
             </a:xfrm>
             <a:prstGeom prst="rect">
               <a:avLst/>
@@ -3615,7 +3645,7 @@
             <a:lstStyle/>
             <a:p>
               <a:r>
-                <a:rPr lang="en-US" sz="4500" dirty="0">
+                <a:rPr lang="en-US" sz="5400" dirty="0">
                   <a:solidFill>
                     <a:srgbClr val="2E2D29"/>
                   </a:solidFill>
@@ -3672,7 +3702,7 @@
             </a:fontRef>
           </p:style>
           <p:txBody>
-            <a:bodyPr rot="0" spcFirstLastPara="0" vertOverflow="overflow" horzOverflow="overflow" vert="horz" wrap="square" lIns="50800" tIns="25400" rIns="50800" bIns="25400" numCol="1" spcCol="0" rtlCol="0" fromWordArt="0" anchor="ctr" anchorCtr="0" forceAA="0" compatLnSpc="1">
+            <a:bodyPr rot="0" spcFirstLastPara="0" vertOverflow="overflow" horzOverflow="overflow" vert="horz" wrap="square" lIns="60960" tIns="30480" rIns="60960" bIns="30480" numCol="1" spcCol="0" rtlCol="0" fromWordArt="0" anchor="ctr" anchorCtr="0" forceAA="0" compatLnSpc="1">
               <a:prstTxWarp prst="textNoShape">
                 <a:avLst/>
               </a:prstTxWarp>
@@ -3681,7 +3711,7 @@
             <a:lstStyle/>
             <a:p>
               <a:pPr algn="ctr"/>
-              <a:endParaRPr lang="en-US" sz="2880"/>
+              <a:endParaRPr lang="en-US" sz="3456"/>
             </a:p>
           </p:txBody>
         </p:sp>
@@ -3700,8 +3730,8 @@
         </p:nvSpPr>
         <p:spPr>
           <a:xfrm>
-            <a:off x="184002" y="4319171"/>
-            <a:ext cx="8889660" cy="12326451"/>
+            <a:off x="220802" y="5156243"/>
+            <a:ext cx="10667592" cy="12834283"/>
           </a:xfrm>
           <a:prstGeom prst="rect">
             <a:avLst/>
@@ -3714,235 +3744,161 @@
           </a:bodyPr>
           <a:lstStyle/>
           <a:p>
-            <a:pPr marL="342900" indent="-342900">
+            <a:pPr marL="411480" indent="-411480">
               <a:buFont typeface="Arial" panose="020B0604020202020204" pitchFamily="34" charset="0"/>
               <a:buChar char="•"/>
             </a:pPr>
             <a:r>
-              <a:rPr lang="en-US" sz="3000" dirty="0"/>
-              <a:t>Improve generalization of natural language generation models</a:t>
-            </a:r>
-          </a:p>
-          <a:p>
-            <a:pPr marL="342900" indent="-342900">
+              <a:rPr lang="en-US" sz="3600" dirty="0"/>
+              <a:t>Investigate generalization of natural language generation models</a:t>
+            </a:r>
+          </a:p>
+          <a:p>
+            <a:pPr marL="411480" indent="-411480">
               <a:buFont typeface="Arial" panose="020B0604020202020204" pitchFamily="34" charset="0"/>
               <a:buChar char="•"/>
             </a:pPr>
             <a:r>
-              <a:rPr lang="en-US" sz="3000" dirty="0"/>
-              <a:t>Recent advances in text-attribute transfer</a:t>
-            </a:r>
-          </a:p>
-          <a:p>
-            <a:pPr marL="800100" lvl="1" indent="-342900">
+              <a:rPr lang="en-US" sz="3600" dirty="0"/>
+              <a:t>Many recent advances in text-attribute transfer</a:t>
+            </a:r>
+            <a:endParaRPr lang="en-US" sz="3600" i="1" dirty="0"/>
+          </a:p>
+          <a:p>
+            <a:pPr marL="411480" indent="-411480">
               <a:buFont typeface="Arial" panose="020B0604020202020204" pitchFamily="34" charset="0"/>
               <a:buChar char="•"/>
             </a:pPr>
-            <a:endParaRPr lang="en-US" sz="3000" i="1" dirty="0"/>
-          </a:p>
-          <a:p>
-            <a:pPr marL="800100" lvl="1" indent="-342900">
+            <a:endParaRPr lang="en-US" sz="3600" i="1" dirty="0"/>
+          </a:p>
+          <a:p>
+            <a:pPr marL="411480" indent="-411480">
               <a:buFont typeface="Arial" panose="020B0604020202020204" pitchFamily="34" charset="0"/>
               <a:buChar char="•"/>
             </a:pPr>
-            <a:endParaRPr lang="en-US" sz="3000" i="1" dirty="0"/>
-          </a:p>
-          <a:p>
-            <a:pPr marL="800100" lvl="1" indent="-342900">
+            <a:endParaRPr lang="en-US" sz="3600" i="1" dirty="0"/>
+          </a:p>
+          <a:p>
+            <a:pPr marL="411480" indent="-411480">
               <a:buFont typeface="Arial" panose="020B0604020202020204" pitchFamily="34" charset="0"/>
               <a:buChar char="•"/>
             </a:pPr>
-            <a:endParaRPr lang="en-US" sz="3000" i="1" dirty="0"/>
-          </a:p>
-          <a:p>
-            <a:pPr marL="800100" lvl="1" indent="-342900">
+            <a:endParaRPr lang="en-US" sz="3600" i="1" dirty="0"/>
+          </a:p>
+          <a:p>
+            <a:pPr marL="411480" indent="-411480">
               <a:buFont typeface="Arial" panose="020B0604020202020204" pitchFamily="34" charset="0"/>
               <a:buChar char="•"/>
             </a:pPr>
-            <a:endParaRPr lang="en-US" sz="3000" i="1" dirty="0"/>
-          </a:p>
-          <a:p>
-            <a:pPr marL="800100" lvl="1" indent="-342900">
+            <a:endParaRPr lang="en-US" sz="3600" i="1" dirty="0"/>
+          </a:p>
+          <a:p>
+            <a:pPr marL="411480" indent="-411480">
               <a:buFont typeface="Arial" panose="020B0604020202020204" pitchFamily="34" charset="0"/>
               <a:buChar char="•"/>
             </a:pPr>
-            <a:endParaRPr lang="en-US" sz="3000" i="1" dirty="0"/>
-          </a:p>
-          <a:p>
-            <a:pPr marL="800100" lvl="1" indent="-342900">
+            <a:endParaRPr lang="en-US" sz="3600" i="1" dirty="0"/>
+          </a:p>
+          <a:p>
+            <a:pPr marL="411480" indent="-411480">
               <a:buFont typeface="Arial" panose="020B0604020202020204" pitchFamily="34" charset="0"/>
               <a:buChar char="•"/>
             </a:pPr>
-            <a:endParaRPr lang="en-US" sz="3000" i="1" dirty="0"/>
-          </a:p>
-          <a:p>
-            <a:pPr marL="800100" lvl="1" indent="-342900">
+            <a:endParaRPr lang="en-US" sz="3600" i="1" dirty="0"/>
+          </a:p>
+          <a:p>
+            <a:pPr marL="411480" indent="-411480">
               <a:buFont typeface="Arial" panose="020B0604020202020204" pitchFamily="34" charset="0"/>
               <a:buChar char="•"/>
             </a:pPr>
-            <a:endParaRPr lang="en-US" sz="3000" i="1" dirty="0"/>
-          </a:p>
-          <a:p>
-            <a:pPr marL="800100" lvl="1" indent="-342900">
+            <a:endParaRPr lang="en-US" sz="3600" i="1" dirty="0"/>
+          </a:p>
+          <a:p>
+            <a:pPr marL="411480" indent="-411480">
               <a:buFont typeface="Arial" panose="020B0604020202020204" pitchFamily="34" charset="0"/>
               <a:buChar char="•"/>
             </a:pPr>
-            <a:endParaRPr lang="en-US" sz="3000" i="1" dirty="0"/>
-          </a:p>
-          <a:p>
-            <a:pPr marL="800100" lvl="1" indent="-342900">
+            <a:endParaRPr lang="en-US" sz="3600" i="1" dirty="0"/>
+          </a:p>
+          <a:p>
+            <a:pPr marL="411480" indent="-411480">
               <a:buFont typeface="Arial" panose="020B0604020202020204" pitchFamily="34" charset="0"/>
               <a:buChar char="•"/>
             </a:pPr>
-            <a:endParaRPr lang="en-US" sz="3000" i="1" dirty="0"/>
-          </a:p>
-          <a:p>
-            <a:pPr marL="800100" lvl="1" indent="-342900">
+            <a:endParaRPr lang="en-US" sz="3600" i="1" dirty="0"/>
+          </a:p>
+          <a:p>
+            <a:pPr marL="411480" indent="-411480">
               <a:buFont typeface="Arial" panose="020B0604020202020204" pitchFamily="34" charset="0"/>
               <a:buChar char="•"/>
             </a:pPr>
-            <a:endParaRPr lang="en-US" sz="1500" i="1" dirty="0"/>
-          </a:p>
-          <a:p>
-            <a:pPr marL="800100" lvl="1" indent="-342900">
+            <a:endParaRPr lang="en-US" sz="3600" i="1" dirty="0"/>
+          </a:p>
+          <a:p>
+            <a:pPr marL="411480" indent="-411480">
               <a:buFont typeface="Arial" panose="020B0604020202020204" pitchFamily="34" charset="0"/>
               <a:buChar char="•"/>
             </a:pPr>
-            <a:r>
-              <a:rPr lang="en-US" sz="3000" i="1" dirty="0"/>
-              <a:t>Delete Retrieve Generate</a:t>
-            </a:r>
-          </a:p>
-          <a:p>
-            <a:pPr marL="800100" lvl="1" indent="-342900">
+            <a:endParaRPr lang="en-US" sz="3600" i="1" dirty="0"/>
+          </a:p>
+          <a:p>
+            <a:pPr marL="411480" indent="-411480">
               <a:buFont typeface="Arial" panose="020B0604020202020204" pitchFamily="34" charset="0"/>
               <a:buChar char="•"/>
             </a:pPr>
-            <a:endParaRPr lang="en-US" sz="3000" i="1" dirty="0"/>
-          </a:p>
-          <a:p>
-            <a:pPr marL="800100" lvl="1" indent="-342900">
+            <a:endParaRPr lang="en-US" sz="3600" i="1" dirty="0"/>
+          </a:p>
+          <a:p>
+            <a:pPr marL="411480" indent="-411480">
               <a:buFont typeface="Arial" panose="020B0604020202020204" pitchFamily="34" charset="0"/>
               <a:buChar char="•"/>
             </a:pPr>
-            <a:endParaRPr lang="en-US" sz="3000" i="1" dirty="0"/>
-          </a:p>
-          <a:p>
-            <a:pPr marL="800100" lvl="1" indent="-342900">
+            <a:endParaRPr lang="en-US" sz="3600" i="1" dirty="0"/>
+          </a:p>
+          <a:p>
+            <a:pPr marL="411480" indent="-411480">
               <a:buFont typeface="Arial" panose="020B0604020202020204" pitchFamily="34" charset="0"/>
               <a:buChar char="•"/>
             </a:pPr>
-            <a:endParaRPr lang="en-US" sz="3000" i="1" dirty="0"/>
-          </a:p>
-          <a:p>
-            <a:pPr marL="800100" lvl="1" indent="-342900">
+            <a:endParaRPr lang="en-US" sz="3600" i="1" dirty="0"/>
+          </a:p>
+          <a:p>
+            <a:pPr marL="411480" indent="-411480">
               <a:buFont typeface="Arial" panose="020B0604020202020204" pitchFamily="34" charset="0"/>
               <a:buChar char="•"/>
             </a:pPr>
-            <a:endParaRPr lang="en-US" sz="3000" i="1" dirty="0"/>
-          </a:p>
-          <a:p>
-            <a:pPr marL="800100" lvl="1" indent="-342900">
+            <a:endParaRPr lang="en-US" sz="3600" i="1" dirty="0"/>
+          </a:p>
+          <a:p>
+            <a:pPr marL="411480" indent="-411480">
               <a:buFont typeface="Arial" panose="020B0604020202020204" pitchFamily="34" charset="0"/>
               <a:buChar char="•"/>
             </a:pPr>
-            <a:endParaRPr lang="en-US" sz="3000" i="1" dirty="0"/>
-          </a:p>
-          <a:p>
-            <a:pPr marL="800100" lvl="1" indent="-342900">
+            <a:endParaRPr lang="en-US" sz="3600" i="1" dirty="0"/>
+          </a:p>
+          <a:p>
+            <a:pPr marL="411480" indent="-411480">
               <a:buFont typeface="Arial" panose="020B0604020202020204" pitchFamily="34" charset="0"/>
               <a:buChar char="•"/>
             </a:pPr>
-            <a:endParaRPr lang="en-US" sz="3000" i="1" dirty="0"/>
-          </a:p>
-          <a:p>
-            <a:pPr marL="800100" lvl="1" indent="-342900">
+            <a:r>
+              <a:rPr lang="en-US" sz="3600" dirty="0"/>
+              <a:t>Doesn’t make sense to train a new model to generate or edit sentences that </a:t>
+            </a:r>
+          </a:p>
+          <a:p>
+            <a:pPr marL="411480" indent="-411480">
               <a:buFont typeface="Arial" panose="020B0604020202020204" pitchFamily="34" charset="0"/>
               <a:buChar char="•"/>
             </a:pPr>
-            <a:endParaRPr lang="en-US" sz="3000" i="1" dirty="0"/>
-          </a:p>
-          <a:p>
-            <a:endParaRPr lang="en-US" sz="1500" dirty="0"/>
-          </a:p>
-          <a:p>
-            <a:pPr marL="342900" indent="-342900">
-              <a:buFont typeface="Arial" panose="020B0604020202020204" pitchFamily="34" charset="0"/>
-              <a:buChar char="•"/>
-            </a:pPr>
-            <a:r>
-              <a:rPr lang="en-US" sz="3000" dirty="0"/>
-              <a:t>Recent advances in sentence embeddings</a:t>
-            </a:r>
-            <a:endParaRPr lang="en-US" sz="2800" i="1" dirty="0"/>
-          </a:p>
-          <a:p>
-            <a:pPr marL="800100" lvl="1" indent="-342900">
-              <a:buFont typeface="Arial" panose="020B0604020202020204" pitchFamily="34" charset="0"/>
-              <a:buChar char="•"/>
-            </a:pPr>
-            <a:r>
-              <a:rPr lang="en-US" sz="3000" i="1" dirty="0"/>
-              <a:t>Deep contextualized word representations (</a:t>
-            </a:r>
-            <a:r>
-              <a:rPr lang="en-US" sz="3000" i="1" dirty="0" err="1"/>
-              <a:t>ELMo</a:t>
-            </a:r>
-            <a:r>
-              <a:rPr lang="en-US" sz="3000" i="1" dirty="0"/>
-              <a:t>)</a:t>
-            </a:r>
-          </a:p>
-          <a:p>
-            <a:pPr marL="800100" lvl="1" indent="-342900">
-              <a:buFont typeface="Arial" panose="020B0604020202020204" pitchFamily="34" charset="0"/>
-              <a:buChar char="•"/>
-            </a:pPr>
-            <a:r>
-              <a:rPr lang="en-US" sz="3000" i="1" dirty="0"/>
-              <a:t>BERT: Pre-training of Deep Bidirectional Transformers for Language Understanding</a:t>
-            </a:r>
-          </a:p>
-          <a:p>
-            <a:pPr marL="800100" lvl="1" indent="-342900">
-              <a:buFont typeface="Arial" panose="020B0604020202020204" pitchFamily="34" charset="0"/>
-              <a:buChar char="•"/>
-            </a:pPr>
-            <a:endParaRPr lang="en-US" sz="3000" i="1" dirty="0"/>
-          </a:p>
-        </p:txBody>
-      </p:sp>
-      <p:pic>
-        <p:nvPicPr>
-          <p:cNvPr id="8" name="Picture 7">
-            <a:extLst>
-              <a:ext uri="{FF2B5EF4-FFF2-40B4-BE49-F238E27FC236}">
-                <a16:creationId xmlns:a16="http://schemas.microsoft.com/office/drawing/2014/main" id="{3E150C8C-76D4-4452-9262-C62D4C221C68}"/>
-              </a:ext>
-            </a:extLst>
-          </p:cNvPr>
-          <p:cNvPicPr>
-            <a:picLocks noChangeAspect="1"/>
-          </p:cNvPicPr>
-          <p:nvPr/>
-        </p:nvPicPr>
-        <p:blipFill>
-          <a:blip r:embed="rId4"/>
-          <a:stretch>
-            <a:fillRect/>
-          </a:stretch>
-        </p:blipFill>
-        <p:spPr>
-          <a:xfrm>
-            <a:off x="184002" y="10621393"/>
-            <a:ext cx="8639848" cy="3427886"/>
-          </a:xfrm>
-          <a:prstGeom prst="rect">
-            <a:avLst/>
-          </a:prstGeom>
-        </p:spPr>
-      </p:pic>
+            <a:r>
+              <a:rPr lang="en-US" sz="3600" dirty="0"/>
+              <a:t>There should be some knowledge that can be transferred from one domain to another</a:t>
+            </a:r>
+            <a:endParaRPr lang="en-US" sz="1800" dirty="0"/>
+          </a:p>
+        </p:txBody>
+      </p:sp>
       <p:grpSp>
         <p:nvGrpSpPr>
           <p:cNvPr id="64" name="Group 63">
@@ -3957,10 +3913,10 @@
         </p:nvGrpSpPr>
         <p:grpSpPr>
           <a:xfrm>
-            <a:off x="9327662" y="3433062"/>
-            <a:ext cx="8639848" cy="784830"/>
+            <a:off x="11193194" y="4119672"/>
+            <a:ext cx="21340210" cy="923330"/>
             <a:chOff x="7655317" y="6043852"/>
-            <a:chExt cx="11061396" cy="1228249"/>
+            <a:chExt cx="11061396" cy="1204167"/>
           </a:xfrm>
         </p:grpSpPr>
         <p:sp>
@@ -3978,7 +3934,7 @@
           <p:spPr>
             <a:xfrm>
               <a:off x="7655317" y="6043852"/>
-              <a:ext cx="2247665" cy="1228249"/>
+              <a:ext cx="2098806" cy="1204167"/>
             </a:xfrm>
             <a:prstGeom prst="rect">
               <a:avLst/>
@@ -3992,7 +3948,7 @@
             <a:lstStyle/>
             <a:p>
               <a:r>
-                <a:rPr lang="en-US" sz="4500" dirty="0">
+                <a:rPr lang="en-US" sz="5400" dirty="0">
                   <a:solidFill>
                     <a:srgbClr val="2E2D29"/>
                   </a:solidFill>
@@ -4049,7 +4005,7 @@
             </a:fontRef>
           </p:style>
           <p:txBody>
-            <a:bodyPr rot="0" spcFirstLastPara="0" vertOverflow="overflow" horzOverflow="overflow" vert="horz" wrap="square" lIns="50800" tIns="25400" rIns="50800" bIns="25400" numCol="1" spcCol="0" rtlCol="0" fromWordArt="0" anchor="ctr" anchorCtr="0" forceAA="0" compatLnSpc="1">
+            <a:bodyPr rot="0" spcFirstLastPara="0" vertOverflow="overflow" horzOverflow="overflow" vert="horz" wrap="square" lIns="60960" tIns="30480" rIns="60960" bIns="30480" numCol="1" spcCol="0" rtlCol="0" fromWordArt="0" anchor="ctr" anchorCtr="0" forceAA="0" compatLnSpc="1">
               <a:prstTxWarp prst="textNoShape">
                 <a:avLst/>
               </a:prstTxWarp>
@@ -4058,7 +4014,7 @@
             <a:lstStyle/>
             <a:p>
               <a:pPr algn="ctr"/>
-              <a:endParaRPr lang="en-US" sz="2880"/>
+              <a:endParaRPr lang="en-US" sz="3456"/>
             </a:p>
           </p:txBody>
         </p:sp>
@@ -4077,10 +4033,10 @@
         </p:nvGrpSpPr>
         <p:grpSpPr>
           <a:xfrm>
-            <a:off x="18471322" y="3433062"/>
-            <a:ext cx="8639848" cy="784830"/>
+            <a:off x="11110152" y="13059032"/>
+            <a:ext cx="10367818" cy="923330"/>
             <a:chOff x="7655317" y="6043852"/>
-            <a:chExt cx="11061396" cy="1228249"/>
+            <a:chExt cx="11061396" cy="1204167"/>
           </a:xfrm>
         </p:grpSpPr>
         <p:sp>
@@ -4098,7 +4054,7 @@
           <p:spPr>
             <a:xfrm>
               <a:off x="7655317" y="6043852"/>
-              <a:ext cx="2699168" cy="1228249"/>
+              <a:ext cx="2442564" cy="1204167"/>
             </a:xfrm>
             <a:prstGeom prst="rect">
               <a:avLst/>
@@ -4112,7 +4068,7 @@
             <a:lstStyle/>
             <a:p>
               <a:r>
-                <a:rPr lang="en-US" sz="4500" dirty="0">
+                <a:rPr lang="en-US" sz="5400" dirty="0">
                   <a:solidFill>
                     <a:srgbClr val="2E2D29"/>
                   </a:solidFill>
@@ -4169,7 +4125,7 @@
             </a:fontRef>
           </p:style>
           <p:txBody>
-            <a:bodyPr rot="0" spcFirstLastPara="0" vertOverflow="overflow" horzOverflow="overflow" vert="horz" wrap="square" lIns="50800" tIns="25400" rIns="50800" bIns="25400" numCol="1" spcCol="0" rtlCol="0" fromWordArt="0" anchor="ctr" anchorCtr="0" forceAA="0" compatLnSpc="1">
+            <a:bodyPr rot="0" spcFirstLastPara="0" vertOverflow="overflow" horzOverflow="overflow" vert="horz" wrap="square" lIns="60960" tIns="30480" rIns="60960" bIns="30480" numCol="1" spcCol="0" rtlCol="0" fromWordArt="0" anchor="ctr" anchorCtr="0" forceAA="0" compatLnSpc="1">
               <a:prstTxWarp prst="textNoShape">
                 <a:avLst/>
               </a:prstTxWarp>
@@ -4178,71 +4134,11 @@
             <a:lstStyle/>
             <a:p>
               <a:pPr algn="ctr"/>
-              <a:endParaRPr lang="en-US" sz="2880"/>
+              <a:endParaRPr lang="en-US" sz="3456"/>
             </a:p>
           </p:txBody>
         </p:sp>
       </p:grpSp>
-      <p:pic>
-        <p:nvPicPr>
-          <p:cNvPr id="13" name="Picture 12">
-            <a:extLst>
-              <a:ext uri="{FF2B5EF4-FFF2-40B4-BE49-F238E27FC236}">
-                <a16:creationId xmlns:a16="http://schemas.microsoft.com/office/drawing/2014/main" id="{71F70D5E-1A0F-49D5-946A-15F0F0B6DD8B}"/>
-              </a:ext>
-            </a:extLst>
-          </p:cNvPr>
-          <p:cNvPicPr>
-            <a:picLocks noChangeAspect="1"/>
-          </p:cNvPicPr>
-          <p:nvPr/>
-        </p:nvPicPr>
-        <p:blipFill>
-          <a:blip r:embed="rId5"/>
-          <a:stretch>
-            <a:fillRect/>
-          </a:stretch>
-        </p:blipFill>
-        <p:spPr>
-          <a:xfrm>
-            <a:off x="2287146" y="5731886"/>
-            <a:ext cx="3705225" cy="4248150"/>
-          </a:xfrm>
-          <a:prstGeom prst="rect">
-            <a:avLst/>
-          </a:prstGeom>
-        </p:spPr>
-      </p:pic>
-      <p:pic>
-        <p:nvPicPr>
-          <p:cNvPr id="78" name="Picture 77">
-            <a:extLst>
-              <a:ext uri="{FF2B5EF4-FFF2-40B4-BE49-F238E27FC236}">
-                <a16:creationId xmlns:a16="http://schemas.microsoft.com/office/drawing/2014/main" id="{E36AD279-09F7-4F3A-A46B-8488D9A4635E}"/>
-              </a:ext>
-            </a:extLst>
-          </p:cNvPr>
-          <p:cNvPicPr>
-            <a:picLocks noChangeAspect="1"/>
-          </p:cNvPicPr>
-          <p:nvPr/>
-        </p:nvPicPr>
-        <p:blipFill>
-          <a:blip r:embed="rId6"/>
-          <a:stretch>
-            <a:fillRect/>
-          </a:stretch>
-        </p:blipFill>
-        <p:spPr>
-          <a:xfrm>
-            <a:off x="253203" y="15873239"/>
-            <a:ext cx="8570647" cy="2011811"/>
-          </a:xfrm>
-          <a:prstGeom prst="rect">
-            <a:avLst/>
-          </a:prstGeom>
-        </p:spPr>
-      </p:pic>
       <p:grpSp>
         <p:nvGrpSpPr>
           <p:cNvPr id="79" name="Group 78">
@@ -4257,10 +4153,10 @@
         </p:nvGrpSpPr>
         <p:grpSpPr>
           <a:xfrm>
-            <a:off x="18471322" y="10992577"/>
-            <a:ext cx="8639848" cy="784830"/>
+            <a:off x="22165586" y="13056620"/>
+            <a:ext cx="10367818" cy="923330"/>
             <a:chOff x="7655317" y="6043852"/>
-            <a:chExt cx="11061396" cy="1228249"/>
+            <a:chExt cx="11061396" cy="1204167"/>
           </a:xfrm>
         </p:grpSpPr>
         <p:sp>
@@ -4278,7 +4174,7 @@
           <p:spPr>
             <a:xfrm>
               <a:off x="7655317" y="6043852"/>
-              <a:ext cx="4286572" cy="1228249"/>
+              <a:ext cx="3988621" cy="1204167"/>
             </a:xfrm>
             <a:prstGeom prst="rect">
               <a:avLst/>
@@ -4292,7 +4188,7 @@
             <a:lstStyle/>
             <a:p>
               <a:r>
-                <a:rPr lang="en-US" sz="4500" dirty="0">
+                <a:rPr lang="en-US" sz="5400" dirty="0">
                   <a:solidFill>
                     <a:srgbClr val="2E2D29"/>
                   </a:solidFill>
@@ -4349,7 +4245,7 @@
             </a:fontRef>
           </p:style>
           <p:txBody>
-            <a:bodyPr rot="0" spcFirstLastPara="0" vertOverflow="overflow" horzOverflow="overflow" vert="horz" wrap="square" lIns="50800" tIns="25400" rIns="50800" bIns="25400" numCol="1" spcCol="0" rtlCol="0" fromWordArt="0" anchor="ctr" anchorCtr="0" forceAA="0" compatLnSpc="1">
+            <a:bodyPr rot="0" spcFirstLastPara="0" vertOverflow="overflow" horzOverflow="overflow" vert="horz" wrap="square" lIns="60960" tIns="30480" rIns="60960" bIns="30480" numCol="1" spcCol="0" rtlCol="0" fromWordArt="0" anchor="ctr" anchorCtr="0" forceAA="0" compatLnSpc="1">
               <a:prstTxWarp prst="textNoShape">
                 <a:avLst/>
               </a:prstTxWarp>
@@ -4358,7 +4254,7 @@
             <a:lstStyle/>
             <a:p>
               <a:pPr algn="ctr"/>
-              <a:endParaRPr lang="en-US" sz="2880"/>
+              <a:endParaRPr lang="en-US" sz="3456"/>
             </a:p>
           </p:txBody>
         </p:sp>
@@ -4377,8 +4273,8 @@
         </p:nvSpPr>
         <p:spPr>
           <a:xfrm>
-            <a:off x="18471322" y="11745433"/>
-            <a:ext cx="8889660" cy="553998"/>
+            <a:off x="22165586" y="14094519"/>
+            <a:ext cx="10667592" cy="2308324"/>
           </a:xfrm>
           <a:prstGeom prst="rect">
             <a:avLst/>
@@ -4391,13 +4287,42 @@
           </a:bodyPr>
           <a:lstStyle/>
           <a:p>
-            <a:pPr marL="342900" indent="-342900">
+            <a:pPr marL="411480" indent="-411480">
               <a:buFont typeface="Arial" panose="020B0604020202020204" pitchFamily="34" charset="0"/>
               <a:buChar char="•"/>
             </a:pPr>
             <a:r>
-              <a:rPr lang="en-US" sz="3000" dirty="0"/>
-              <a:t>TODO</a:t>
+              <a:rPr lang="en-US" sz="3600" dirty="0"/>
+              <a:t>Replace TF-IDF with sentence embeddings</a:t>
+            </a:r>
+            <a:endParaRPr lang="en-US" sz="3360" i="1" dirty="0"/>
+          </a:p>
+          <a:p>
+            <a:pPr marL="960120" lvl="1" indent="-411480">
+              <a:buFont typeface="Arial" panose="020B0604020202020204" pitchFamily="34" charset="0"/>
+              <a:buChar char="•"/>
+            </a:pPr>
+            <a:r>
+              <a:rPr lang="en-US" sz="3600" i="1" dirty="0"/>
+              <a:t>Deep contextualized word representations (</a:t>
+            </a:r>
+            <a:r>
+              <a:rPr lang="en-US" sz="3600" i="1" dirty="0" err="1"/>
+              <a:t>ELMo</a:t>
+            </a:r>
+            <a:r>
+              <a:rPr lang="en-US" sz="3600" i="1" dirty="0"/>
+              <a:t>)</a:t>
+            </a:r>
+          </a:p>
+          <a:p>
+            <a:pPr marL="960120" lvl="1" indent="-411480">
+              <a:buFont typeface="Arial" panose="020B0604020202020204" pitchFamily="34" charset="0"/>
+              <a:buChar char="•"/>
+            </a:pPr>
+            <a:r>
+              <a:rPr lang="en-US" sz="3600" i="1" dirty="0"/>
+              <a:t>BERT: Pre-training of Deep Bidirectional Transformers for Language Understanding</a:t>
             </a:r>
           </a:p>
         </p:txBody>
@@ -4416,10 +4341,10 @@
         </p:nvGrpSpPr>
         <p:grpSpPr>
           <a:xfrm>
-            <a:off x="18471322" y="13659402"/>
-            <a:ext cx="8639848" cy="784830"/>
+            <a:off x="22165586" y="16445068"/>
+            <a:ext cx="10367818" cy="923330"/>
             <a:chOff x="7655317" y="6043852"/>
-            <a:chExt cx="11061396" cy="1228249"/>
+            <a:chExt cx="11061396" cy="1204167"/>
           </a:xfrm>
         </p:grpSpPr>
         <p:sp>
@@ -4437,7 +4362,7 @@
           <p:spPr>
             <a:xfrm>
               <a:off x="7655317" y="6043852"/>
-              <a:ext cx="4012632" cy="1228249"/>
+              <a:ext cx="3603817" cy="1204167"/>
             </a:xfrm>
             <a:prstGeom prst="rect">
               <a:avLst/>
@@ -4451,7 +4376,7 @@
             <a:lstStyle/>
             <a:p>
               <a:r>
-                <a:rPr lang="en-US" sz="4500" dirty="0">
+                <a:rPr lang="en-US" sz="5400" dirty="0">
                   <a:solidFill>
                     <a:srgbClr val="2E2D29"/>
                   </a:solidFill>
@@ -4508,7 +4433,7 @@
             </a:fontRef>
           </p:style>
           <p:txBody>
-            <a:bodyPr rot="0" spcFirstLastPara="0" vertOverflow="overflow" horzOverflow="overflow" vert="horz" wrap="square" lIns="50800" tIns="25400" rIns="50800" bIns="25400" numCol="1" spcCol="0" rtlCol="0" fromWordArt="0" anchor="ctr" anchorCtr="0" forceAA="0" compatLnSpc="1">
+            <a:bodyPr rot="0" spcFirstLastPara="0" vertOverflow="overflow" horzOverflow="overflow" vert="horz" wrap="square" lIns="60960" tIns="30480" rIns="60960" bIns="30480" numCol="1" spcCol="0" rtlCol="0" fromWordArt="0" anchor="ctr" anchorCtr="0" forceAA="0" compatLnSpc="1">
               <a:prstTxWarp prst="textNoShape">
                 <a:avLst/>
               </a:prstTxWarp>
@@ -4517,7 +4442,7 @@
             <a:lstStyle/>
             <a:p>
               <a:pPr algn="ctr"/>
-              <a:endParaRPr lang="en-US" sz="2880"/>
+              <a:endParaRPr lang="en-US" sz="3456"/>
             </a:p>
           </p:txBody>
         </p:sp>
@@ -4536,8 +4461,8 @@
         </p:nvSpPr>
         <p:spPr>
           <a:xfrm>
-            <a:off x="18471322" y="14396999"/>
-            <a:ext cx="8889660" cy="3170099"/>
+            <a:off x="22165586" y="17464658"/>
+            <a:ext cx="10667592" cy="3785652"/>
           </a:xfrm>
           <a:prstGeom prst="rect">
             <a:avLst/>
@@ -4551,51 +4476,51 @@
           <a:lstStyle/>
           <a:p>
             <a:r>
-              <a:rPr lang="en-US" sz="2500" dirty="0"/>
+              <a:rPr lang="en-US" sz="3000" dirty="0"/>
               <a:t>[1] Li, </a:t>
             </a:r>
             <a:r>
-              <a:rPr lang="en-US" sz="2500" dirty="0" err="1"/>
+              <a:rPr lang="en-US" sz="3000" dirty="0" err="1"/>
               <a:t>Juncen</a:t>
             </a:r>
             <a:r>
-              <a:rPr lang="en-US" sz="2500" dirty="0"/>
+              <a:rPr lang="en-US" sz="3000" dirty="0"/>
               <a:t>, et al. "Delete, Retrieve, Generate: A Simple Approach to Sentiment and Style Transfer." </a:t>
             </a:r>
             <a:r>
-              <a:rPr lang="en-US" sz="2500" dirty="0" err="1"/>
+              <a:rPr lang="en-US" sz="3000" dirty="0" err="1"/>
               <a:t>arXiv</a:t>
             </a:r>
             <a:r>
-              <a:rPr lang="en-US" sz="2500" dirty="0"/>
+              <a:rPr lang="en-US" sz="3000" dirty="0"/>
               <a:t> preprint arXiv:1804.06437 (2018).</a:t>
             </a:r>
           </a:p>
           <a:p>
             <a:r>
-              <a:rPr lang="en-US" sz="2500" dirty="0"/>
+              <a:rPr lang="en-US" sz="3000" dirty="0"/>
               <a:t>[2] Peters, Matthew E., et al. "Deep contextualized word representations." </a:t>
             </a:r>
             <a:r>
-              <a:rPr lang="en-US" sz="2500" dirty="0" err="1"/>
+              <a:rPr lang="en-US" sz="3000" dirty="0" err="1"/>
               <a:t>arXiv</a:t>
             </a:r>
             <a:r>
-              <a:rPr lang="en-US" sz="2500" dirty="0"/>
+              <a:rPr lang="en-US" sz="3000" dirty="0"/>
               <a:t> preprint arXiv:1802.05365 (2018).</a:t>
             </a:r>
           </a:p>
           <a:p>
             <a:r>
-              <a:rPr lang="en-US" sz="2500" dirty="0"/>
+              <a:rPr lang="en-US" sz="3000" dirty="0"/>
               <a:t>[3] Devlin, Jacob, et al. "Bert: Pre-training of deep bidirectional transformers for language understanding." </a:t>
             </a:r>
             <a:r>
-              <a:rPr lang="en-US" sz="2500" dirty="0" err="1"/>
+              <a:rPr lang="en-US" sz="3000" dirty="0" err="1"/>
               <a:t>arXiv</a:t>
             </a:r>
             <a:r>
-              <a:rPr lang="en-US" sz="2500" dirty="0"/>
+              <a:rPr lang="en-US" sz="3000" dirty="0"/>
               <a:t> preprint arXiv:1810.04805 (2018). </a:t>
             </a:r>
           </a:p>
@@ -4615,8 +4540,8 @@
         </p:nvSpPr>
         <p:spPr>
           <a:xfrm>
-            <a:off x="18540523" y="4206044"/>
-            <a:ext cx="8889660" cy="553998"/>
+            <a:off x="11193194" y="14121084"/>
+            <a:ext cx="10667592" cy="646331"/>
           </a:xfrm>
           <a:prstGeom prst="rect">
             <a:avLst/>
@@ -4629,12 +4554,12 @@
           </a:bodyPr>
           <a:lstStyle/>
           <a:p>
-            <a:pPr marL="342900" indent="-342900">
+            <a:pPr marL="411480" indent="-411480">
               <a:buFont typeface="Arial" panose="020B0604020202020204" pitchFamily="34" charset="0"/>
               <a:buChar char="•"/>
             </a:pPr>
             <a:r>
-              <a:rPr lang="en-US" sz="3000" dirty="0"/>
+              <a:rPr lang="en-US" sz="3600" dirty="0"/>
               <a:t>TODO</a:t>
             </a:r>
           </a:p>
@@ -4642,10 +4567,10 @@
       </p:sp>
       <p:sp>
         <p:nvSpPr>
-          <p:cNvPr id="88" name="TextBox 87">
+          <p:cNvPr id="40" name="TextBox 39">
             <a:extLst>
               <a:ext uri="{FF2B5EF4-FFF2-40B4-BE49-F238E27FC236}">
-                <a16:creationId xmlns:a16="http://schemas.microsoft.com/office/drawing/2014/main" id="{9A677D59-2ACD-4BE5-8744-C66AF002B829}"/>
+                <a16:creationId xmlns:a16="http://schemas.microsoft.com/office/drawing/2014/main" id="{C7AFFF0B-0FA3-4B0E-A394-2C292C372782}"/>
               </a:ext>
             </a:extLst>
           </p:cNvPr>
@@ -4654,8 +4579,8 @@
         </p:nvSpPr>
         <p:spPr>
           <a:xfrm>
-            <a:off x="9327662" y="4183356"/>
-            <a:ext cx="8889660" cy="553998"/>
+            <a:off x="11193194" y="5172470"/>
+            <a:ext cx="10667592" cy="646331"/>
           </a:xfrm>
           <a:prstGeom prst="rect">
             <a:avLst/>
@@ -4668,13 +4593,222 @@
           </a:bodyPr>
           <a:lstStyle/>
           <a:p>
-            <a:pPr marL="342900" indent="-342900">
+            <a:pPr marL="411480" indent="-411480">
               <a:buFont typeface="Arial" panose="020B0604020202020204" pitchFamily="34" charset="0"/>
               <a:buChar char="•"/>
             </a:pPr>
             <a:r>
-              <a:rPr lang="en-US" sz="3000" dirty="0"/>
-              <a:t>TODO</a:t>
+              <a:rPr lang="en-US" sz="3600" i="1" dirty="0"/>
+              <a:t>Delete, Retrieve, Generate</a:t>
+            </a:r>
+          </a:p>
+        </p:txBody>
+      </p:sp>
+      <p:pic>
+        <p:nvPicPr>
+          <p:cNvPr id="9" name="Picture 8">
+            <a:extLst>
+              <a:ext uri="{FF2B5EF4-FFF2-40B4-BE49-F238E27FC236}">
+                <a16:creationId xmlns:a16="http://schemas.microsoft.com/office/drawing/2014/main" id="{53726104-E89F-4171-B998-3B9FF4ABE6F5}"/>
+              </a:ext>
+            </a:extLst>
+          </p:cNvPr>
+          <p:cNvPicPr>
+            <a:picLocks noChangeAspect="1"/>
+          </p:cNvPicPr>
+          <p:nvPr/>
+        </p:nvPicPr>
+        <p:blipFill>
+          <a:blip r:embed="rId5"/>
+          <a:stretch>
+            <a:fillRect/>
+          </a:stretch>
+        </p:blipFill>
+        <p:spPr>
+          <a:xfrm>
+            <a:off x="2035110" y="7262249"/>
+            <a:ext cx="7038975" cy="7905750"/>
+          </a:xfrm>
+          <a:prstGeom prst="rect">
+            <a:avLst/>
+          </a:prstGeom>
+        </p:spPr>
+      </p:pic>
+      <p:grpSp>
+        <p:nvGrpSpPr>
+          <p:cNvPr id="45" name="Group 44">
+            <a:extLst>
+              <a:ext uri="{FF2B5EF4-FFF2-40B4-BE49-F238E27FC236}">
+                <a16:creationId xmlns:a16="http://schemas.microsoft.com/office/drawing/2014/main" id="{7A12F311-CA37-45BF-8E9D-7AC731F94271}"/>
+              </a:ext>
+            </a:extLst>
+          </p:cNvPr>
+          <p:cNvGrpSpPr/>
+          <p:nvPr/>
+        </p:nvGrpSpPr>
+        <p:grpSpPr>
+          <a:xfrm>
+            <a:off x="137760" y="17917062"/>
+            <a:ext cx="10367818" cy="923330"/>
+            <a:chOff x="7655317" y="6043852"/>
+            <a:chExt cx="11061396" cy="1204167"/>
+          </a:xfrm>
+        </p:grpSpPr>
+        <p:sp>
+          <p:nvSpPr>
+            <p:cNvPr id="46" name="TextBox 45">
+              <a:extLst>
+                <a:ext uri="{FF2B5EF4-FFF2-40B4-BE49-F238E27FC236}">
+                  <a16:creationId xmlns:a16="http://schemas.microsoft.com/office/drawing/2014/main" id="{110BABFC-912E-4224-BFF2-FABE1C04127D}"/>
+                </a:ext>
+              </a:extLst>
+            </p:cNvPr>
+            <p:cNvSpPr txBox="1"/>
+            <p:nvPr/>
+          </p:nvSpPr>
+          <p:spPr>
+            <a:xfrm>
+              <a:off x="7655317" y="6043852"/>
+              <a:ext cx="3588424" cy="1204167"/>
+            </a:xfrm>
+            <a:prstGeom prst="rect">
+              <a:avLst/>
+            </a:prstGeom>
+            <a:noFill/>
+          </p:spPr>
+          <p:txBody>
+            <a:bodyPr wrap="none" rtlCol="0">
+              <a:spAutoFit/>
+            </a:bodyPr>
+            <a:lstStyle/>
+            <a:p>
+              <a:r>
+                <a:rPr lang="en-US" sz="5400" dirty="0">
+                  <a:solidFill>
+                    <a:srgbClr val="2E2D29"/>
+                  </a:solidFill>
+                  <a:latin typeface="Source Sans Pro Regular"/>
+                </a:rPr>
+                <a:t>Challenges</a:t>
+              </a:r>
+            </a:p>
+          </p:txBody>
+        </p:sp>
+        <p:sp>
+          <p:nvSpPr>
+            <p:cNvPr id="47" name="Rectangle 46">
+              <a:extLst>
+                <a:ext uri="{FF2B5EF4-FFF2-40B4-BE49-F238E27FC236}">
+                  <a16:creationId xmlns:a16="http://schemas.microsoft.com/office/drawing/2014/main" id="{6A34EBEC-D39C-4D8D-A5FF-139CE2FDBF76}"/>
+                </a:ext>
+              </a:extLst>
+            </p:cNvPr>
+            <p:cNvSpPr/>
+            <p:nvPr/>
+          </p:nvSpPr>
+          <p:spPr>
+            <a:xfrm>
+              <a:off x="7743913" y="7174616"/>
+              <a:ext cx="10972800" cy="45718"/>
+            </a:xfrm>
+            <a:prstGeom prst="rect">
+              <a:avLst/>
+            </a:prstGeom>
+            <a:solidFill>
+              <a:srgbClr val="D2C295"/>
+            </a:solidFill>
+            <a:ln>
+              <a:solidFill>
+                <a:srgbClr val="D2C295"/>
+              </a:solidFill>
+            </a:ln>
+          </p:spPr>
+          <p:style>
+            <a:lnRef idx="2">
+              <a:schemeClr val="accent1">
+                <a:shade val="50000"/>
+              </a:schemeClr>
+            </a:lnRef>
+            <a:fillRef idx="1">
+              <a:schemeClr val="accent1"/>
+            </a:fillRef>
+            <a:effectRef idx="0">
+              <a:schemeClr val="accent1"/>
+            </a:effectRef>
+            <a:fontRef idx="minor">
+              <a:schemeClr val="lt1"/>
+            </a:fontRef>
+          </p:style>
+          <p:txBody>
+            <a:bodyPr rot="0" spcFirstLastPara="0" vertOverflow="overflow" horzOverflow="overflow" vert="horz" wrap="square" lIns="60960" tIns="30480" rIns="60960" bIns="30480" numCol="1" spcCol="0" rtlCol="0" fromWordArt="0" anchor="ctr" anchorCtr="0" forceAA="0" compatLnSpc="1">
+              <a:prstTxWarp prst="textNoShape">
+                <a:avLst/>
+              </a:prstTxWarp>
+              <a:noAutofit/>
+            </a:bodyPr>
+            <a:lstStyle/>
+            <a:p>
+              <a:pPr algn="ctr"/>
+              <a:endParaRPr lang="en-US" sz="3456"/>
+            </a:p>
+          </p:txBody>
+        </p:sp>
+      </p:grpSp>
+      <p:sp>
+        <p:nvSpPr>
+          <p:cNvPr id="48" name="TextBox 47">
+            <a:extLst>
+              <a:ext uri="{FF2B5EF4-FFF2-40B4-BE49-F238E27FC236}">
+                <a16:creationId xmlns:a16="http://schemas.microsoft.com/office/drawing/2014/main" id="{E57443D9-E13C-44B3-9B91-D2F5D277419E}"/>
+              </a:ext>
+            </a:extLst>
+          </p:cNvPr>
+          <p:cNvSpPr txBox="1"/>
+          <p:nvPr/>
+        </p:nvSpPr>
+        <p:spPr>
+          <a:xfrm>
+            <a:off x="220802" y="18979114"/>
+            <a:ext cx="10667592" cy="2308324"/>
+          </a:xfrm>
+          <a:prstGeom prst="rect">
+            <a:avLst/>
+          </a:prstGeom>
+          <a:noFill/>
+        </p:spPr>
+        <p:txBody>
+          <a:bodyPr wrap="square" rtlCol="0">
+            <a:spAutoFit/>
+          </a:bodyPr>
+          <a:lstStyle/>
+          <a:p>
+            <a:pPr marL="411480" indent="-411480">
+              <a:buFont typeface="Arial" panose="020B0604020202020204" pitchFamily="34" charset="0"/>
+              <a:buChar char="•"/>
+            </a:pPr>
+            <a:r>
+              <a:rPr lang="en-US" sz="3600" dirty="0"/>
+              <a:t>Research code can be very disorganized, hard to understand, and brittle</a:t>
+            </a:r>
+          </a:p>
+          <a:p>
+            <a:pPr marL="411480" indent="-411480">
+              <a:buFont typeface="Arial" panose="020B0604020202020204" pitchFamily="34" charset="0"/>
+              <a:buChar char="•"/>
+            </a:pPr>
+            <a:r>
+              <a:rPr lang="en-US" sz="3600" dirty="0"/>
+              <a:t>Natural language generation is hard!</a:t>
+            </a:r>
+          </a:p>
+          <a:p>
+            <a:pPr marL="868680" lvl="1" indent="-411480">
+              <a:buFont typeface="Arial" panose="020B0604020202020204" pitchFamily="34" charset="0"/>
+              <a:buChar char="•"/>
+            </a:pPr>
+            <a:r>
+              <a:rPr lang="en-US" sz="3600" dirty="0"/>
+              <a:t>No good objective evaluation metric</a:t>
             </a:r>
           </a:p>
         </p:txBody>

--- a/Poster.pptx
+++ b/Poster.pptx
@@ -2995,8 +2995,8 @@
         </p:blipFill>
         <p:spPr>
           <a:xfrm>
-            <a:off x="12956478" y="5663807"/>
-            <a:ext cx="17984566" cy="7449013"/>
+            <a:off x="11193193" y="6039402"/>
+            <a:ext cx="10287663" cy="4261039"/>
           </a:xfrm>
           <a:prstGeom prst="rect">
             <a:avLst/>
@@ -3731,7 +3731,7 @@
         <p:spPr>
           <a:xfrm>
             <a:off x="220802" y="5156243"/>
-            <a:ext cx="10667592" cy="12834283"/>
+            <a:ext cx="10667592" cy="9510296"/>
           </a:xfrm>
           <a:prstGeom prst="rect">
             <a:avLst/>
@@ -3821,52 +3821,6 @@
             <a:endParaRPr lang="en-US" sz="3600" i="1" dirty="0"/>
           </a:p>
           <a:p>
-            <a:pPr marL="411480" indent="-411480">
-              <a:buFont typeface="Arial" panose="020B0604020202020204" pitchFamily="34" charset="0"/>
-              <a:buChar char="•"/>
-            </a:pPr>
-            <a:endParaRPr lang="en-US" sz="3600" i="1" dirty="0"/>
-          </a:p>
-          <a:p>
-            <a:pPr marL="411480" indent="-411480">
-              <a:buFont typeface="Arial" panose="020B0604020202020204" pitchFamily="34" charset="0"/>
-              <a:buChar char="•"/>
-            </a:pPr>
-            <a:endParaRPr lang="en-US" sz="3600" i="1" dirty="0"/>
-          </a:p>
-          <a:p>
-            <a:pPr marL="411480" indent="-411480">
-              <a:buFont typeface="Arial" panose="020B0604020202020204" pitchFamily="34" charset="0"/>
-              <a:buChar char="•"/>
-            </a:pPr>
-            <a:endParaRPr lang="en-US" sz="3600" i="1" dirty="0"/>
-          </a:p>
-          <a:p>
-            <a:pPr marL="411480" indent="-411480">
-              <a:buFont typeface="Arial" panose="020B0604020202020204" pitchFamily="34" charset="0"/>
-              <a:buChar char="•"/>
-            </a:pPr>
-            <a:endParaRPr lang="en-US" sz="3600" i="1" dirty="0"/>
-          </a:p>
-          <a:p>
-            <a:pPr marL="411480" indent="-411480">
-              <a:buFont typeface="Arial" panose="020B0604020202020204" pitchFamily="34" charset="0"/>
-              <a:buChar char="•"/>
-            </a:pPr>
-            <a:endParaRPr lang="en-US" sz="3600" i="1" dirty="0"/>
-          </a:p>
-          <a:p>
-            <a:pPr marL="411480" indent="-411480">
-              <a:buFont typeface="Arial" panose="020B0604020202020204" pitchFamily="34" charset="0"/>
-              <a:buChar char="•"/>
-            </a:pPr>
-            <a:endParaRPr lang="en-US" sz="3600" i="1" dirty="0"/>
-          </a:p>
-          <a:p>
-            <a:pPr marL="411480" indent="-411480">
-              <a:buFont typeface="Arial" panose="020B0604020202020204" pitchFamily="34" charset="0"/>
-              <a:buChar char="•"/>
-            </a:pPr>
             <a:endParaRPr lang="en-US" sz="3600" i="1" dirty="0"/>
           </a:p>
           <a:p>
@@ -3914,7 +3868,7 @@
         <p:grpSpPr>
           <a:xfrm>
             <a:off x="11193194" y="4119672"/>
-            <a:ext cx="21340210" cy="923330"/>
+            <a:ext cx="10287662" cy="923330"/>
             <a:chOff x="7655317" y="6043852"/>
             <a:chExt cx="11061396" cy="1204167"/>
           </a:xfrm>
@@ -4033,7 +3987,7 @@
         </p:nvGrpSpPr>
         <p:grpSpPr>
           <a:xfrm>
-            <a:off x="11110152" y="13059032"/>
+            <a:off x="11110152" y="10501265"/>
             <a:ext cx="10367818" cy="923330"/>
             <a:chOff x="7655317" y="6043852"/>
             <a:chExt cx="11061396" cy="1204167"/>
@@ -4540,7 +4494,7 @@
         </p:nvSpPr>
         <p:spPr>
           <a:xfrm>
-            <a:off x="11193194" y="14121084"/>
+            <a:off x="11193194" y="11563317"/>
             <a:ext cx="10667592" cy="646331"/>
           </a:xfrm>
           <a:prstGeom prst="rect">
@@ -4626,8 +4580,8 @@
         </p:blipFill>
         <p:spPr>
           <a:xfrm>
-            <a:off x="2035110" y="7262249"/>
-            <a:ext cx="7038975" cy="7905750"/>
+            <a:off x="3143016" y="6931158"/>
+            <a:ext cx="4823164" cy="5417084"/>
           </a:xfrm>
           <a:prstGeom prst="rect">
             <a:avLst/>
@@ -4809,6 +4763,344 @@
             <a:r>
               <a:rPr lang="en-US" sz="3600" dirty="0"/>
               <a:t>No good objective evaluation metric</a:t>
+            </a:r>
+          </a:p>
+        </p:txBody>
+      </p:sp>
+      <p:grpSp>
+        <p:nvGrpSpPr>
+          <p:cNvPr id="42" name="Group 41">
+            <a:extLst>
+              <a:ext uri="{FF2B5EF4-FFF2-40B4-BE49-F238E27FC236}">
+                <a16:creationId xmlns:a16="http://schemas.microsoft.com/office/drawing/2014/main" id="{06180468-17FC-45DD-83A5-B30288747452}"/>
+              </a:ext>
+            </a:extLst>
+          </p:cNvPr>
+          <p:cNvGrpSpPr/>
+          <p:nvPr/>
+        </p:nvGrpSpPr>
+        <p:grpSpPr>
+          <a:xfrm>
+            <a:off x="137759" y="14535287"/>
+            <a:ext cx="10367818" cy="923330"/>
+            <a:chOff x="7655317" y="6043852"/>
+            <a:chExt cx="11061396" cy="1204167"/>
+          </a:xfrm>
+        </p:grpSpPr>
+        <p:sp>
+          <p:nvSpPr>
+            <p:cNvPr id="49" name="TextBox 48">
+              <a:extLst>
+                <a:ext uri="{FF2B5EF4-FFF2-40B4-BE49-F238E27FC236}">
+                  <a16:creationId xmlns:a16="http://schemas.microsoft.com/office/drawing/2014/main" id="{B1227873-1BD6-459B-A427-1E64788750E4}"/>
+                </a:ext>
+              </a:extLst>
+            </p:cNvPr>
+            <p:cNvSpPr txBox="1"/>
+            <p:nvPr/>
+          </p:nvSpPr>
+          <p:spPr>
+            <a:xfrm>
+              <a:off x="7655317" y="6043852"/>
+              <a:ext cx="1647302" cy="1204167"/>
+            </a:xfrm>
+            <a:prstGeom prst="rect">
+              <a:avLst/>
+            </a:prstGeom>
+            <a:noFill/>
+          </p:spPr>
+          <p:txBody>
+            <a:bodyPr wrap="none" rtlCol="0">
+              <a:spAutoFit/>
+            </a:bodyPr>
+            <a:lstStyle/>
+            <a:p>
+              <a:r>
+                <a:rPr lang="en-US" sz="5400" dirty="0">
+                  <a:solidFill>
+                    <a:srgbClr val="2E2D29"/>
+                  </a:solidFill>
+                  <a:latin typeface="Source Sans Pro Regular"/>
+                </a:rPr>
+                <a:t>Data</a:t>
+              </a:r>
+            </a:p>
+          </p:txBody>
+        </p:sp>
+        <p:sp>
+          <p:nvSpPr>
+            <p:cNvPr id="50" name="Rectangle 49">
+              <a:extLst>
+                <a:ext uri="{FF2B5EF4-FFF2-40B4-BE49-F238E27FC236}">
+                  <a16:creationId xmlns:a16="http://schemas.microsoft.com/office/drawing/2014/main" id="{4CF8DD54-5E1B-42B2-9E32-921FC8224D2D}"/>
+                </a:ext>
+              </a:extLst>
+            </p:cNvPr>
+            <p:cNvSpPr/>
+            <p:nvPr/>
+          </p:nvSpPr>
+          <p:spPr>
+            <a:xfrm>
+              <a:off x="7743913" y="7174616"/>
+              <a:ext cx="10972800" cy="45718"/>
+            </a:xfrm>
+            <a:prstGeom prst="rect">
+              <a:avLst/>
+            </a:prstGeom>
+            <a:solidFill>
+              <a:srgbClr val="D2C295"/>
+            </a:solidFill>
+            <a:ln>
+              <a:solidFill>
+                <a:srgbClr val="D2C295"/>
+              </a:solidFill>
+            </a:ln>
+          </p:spPr>
+          <p:style>
+            <a:lnRef idx="2">
+              <a:schemeClr val="accent1">
+                <a:shade val="50000"/>
+              </a:schemeClr>
+            </a:lnRef>
+            <a:fillRef idx="1">
+              <a:schemeClr val="accent1"/>
+            </a:fillRef>
+            <a:effectRef idx="0">
+              <a:schemeClr val="accent1"/>
+            </a:effectRef>
+            <a:fontRef idx="minor">
+              <a:schemeClr val="lt1"/>
+            </a:fontRef>
+          </p:style>
+          <p:txBody>
+            <a:bodyPr rot="0" spcFirstLastPara="0" vertOverflow="overflow" horzOverflow="overflow" vert="horz" wrap="square" lIns="60960" tIns="30480" rIns="60960" bIns="30480" numCol="1" spcCol="0" rtlCol="0" fromWordArt="0" anchor="ctr" anchorCtr="0" forceAA="0" compatLnSpc="1">
+              <a:prstTxWarp prst="textNoShape">
+                <a:avLst/>
+              </a:prstTxWarp>
+              <a:noAutofit/>
+            </a:bodyPr>
+            <a:lstStyle/>
+            <a:p>
+              <a:pPr algn="ctr"/>
+              <a:endParaRPr lang="en-US" sz="3456"/>
+            </a:p>
+          </p:txBody>
+        </p:sp>
+      </p:grpSp>
+      <p:sp>
+        <p:nvSpPr>
+          <p:cNvPr id="51" name="TextBox 50">
+            <a:extLst>
+              <a:ext uri="{FF2B5EF4-FFF2-40B4-BE49-F238E27FC236}">
+                <a16:creationId xmlns:a16="http://schemas.microsoft.com/office/drawing/2014/main" id="{8994A776-B352-4A70-9CD2-0E09691D60BD}"/>
+              </a:ext>
+            </a:extLst>
+          </p:cNvPr>
+          <p:cNvSpPr txBox="1"/>
+          <p:nvPr/>
+        </p:nvSpPr>
+        <p:spPr>
+          <a:xfrm>
+            <a:off x="220801" y="15597339"/>
+            <a:ext cx="10667592" cy="2308324"/>
+          </a:xfrm>
+          <a:prstGeom prst="rect">
+            <a:avLst/>
+          </a:prstGeom>
+          <a:noFill/>
+        </p:spPr>
+        <p:txBody>
+          <a:bodyPr wrap="square" rtlCol="0">
+            <a:spAutoFit/>
+          </a:bodyPr>
+          <a:lstStyle/>
+          <a:p>
+            <a:pPr marL="411480" indent="-411480">
+              <a:buFont typeface="Arial" panose="020B0604020202020204" pitchFamily="34" charset="0"/>
+              <a:buChar char="•"/>
+            </a:pPr>
+            <a:r>
+              <a:rPr lang="en-US" sz="3600" dirty="0"/>
+              <a:t>Amazon, Yelp, image captions, Reddit subreddits</a:t>
+            </a:r>
+          </a:p>
+          <a:p>
+            <a:pPr marL="411480" indent="-411480">
+              <a:buFont typeface="Arial" panose="020B0604020202020204" pitchFamily="34" charset="0"/>
+              <a:buChar char="•"/>
+            </a:pPr>
+            <a:r>
+              <a:rPr lang="en-US" sz="3600" dirty="0"/>
+              <a:t>Each dataset has a positive class and negative class</a:t>
+            </a:r>
+          </a:p>
+          <a:p>
+            <a:pPr marL="411480" indent="-411480">
+              <a:buFont typeface="Arial" panose="020B0604020202020204" pitchFamily="34" charset="0"/>
+              <a:buChar char="•"/>
+            </a:pPr>
+            <a:r>
+              <a:rPr lang="en-US" sz="3600" dirty="0"/>
+              <a:t>Preprocess the data to determine which text attributes occur more often in one class</a:t>
+            </a:r>
+          </a:p>
+        </p:txBody>
+      </p:sp>
+      <p:grpSp>
+        <p:nvGrpSpPr>
+          <p:cNvPr id="52" name="Group 51">
+            <a:extLst>
+              <a:ext uri="{FF2B5EF4-FFF2-40B4-BE49-F238E27FC236}">
+                <a16:creationId xmlns:a16="http://schemas.microsoft.com/office/drawing/2014/main" id="{22BCC08A-F6EA-4055-AA5F-57F94987F88D}"/>
+              </a:ext>
+            </a:extLst>
+          </p:cNvPr>
+          <p:cNvGrpSpPr/>
+          <p:nvPr/>
+        </p:nvGrpSpPr>
+        <p:grpSpPr>
+          <a:xfrm>
+            <a:off x="22165585" y="4106712"/>
+            <a:ext cx="10367818" cy="923330"/>
+            <a:chOff x="7655317" y="6043852"/>
+            <a:chExt cx="11061396" cy="1204167"/>
+          </a:xfrm>
+        </p:grpSpPr>
+        <p:sp>
+          <p:nvSpPr>
+            <p:cNvPr id="53" name="TextBox 52">
+              <a:extLst>
+                <a:ext uri="{FF2B5EF4-FFF2-40B4-BE49-F238E27FC236}">
+                  <a16:creationId xmlns:a16="http://schemas.microsoft.com/office/drawing/2014/main" id="{E2405D12-02B5-4507-AFBB-9482457D1D92}"/>
+                </a:ext>
+              </a:extLst>
+            </p:cNvPr>
+            <p:cNvSpPr txBox="1"/>
+            <p:nvPr/>
+          </p:nvSpPr>
+          <p:spPr>
+            <a:xfrm>
+              <a:off x="7655317" y="6043852"/>
+              <a:ext cx="3485810" cy="1204167"/>
+            </a:xfrm>
+            <a:prstGeom prst="rect">
+              <a:avLst/>
+            </a:prstGeom>
+            <a:noFill/>
+          </p:spPr>
+          <p:txBody>
+            <a:bodyPr wrap="none" rtlCol="0">
+              <a:spAutoFit/>
+            </a:bodyPr>
+            <a:lstStyle/>
+            <a:p>
+              <a:r>
+                <a:rPr lang="en-US" sz="5400" dirty="0">
+                  <a:solidFill>
+                    <a:srgbClr val="2E2D29"/>
+                  </a:solidFill>
+                  <a:latin typeface="Source Sans Pro Regular"/>
+                </a:rPr>
+                <a:t>Discussion</a:t>
+              </a:r>
+            </a:p>
+          </p:txBody>
+        </p:sp>
+        <p:sp>
+          <p:nvSpPr>
+            <p:cNvPr id="54" name="Rectangle 53">
+              <a:extLst>
+                <a:ext uri="{FF2B5EF4-FFF2-40B4-BE49-F238E27FC236}">
+                  <a16:creationId xmlns:a16="http://schemas.microsoft.com/office/drawing/2014/main" id="{9D5871F6-C365-40A9-9C56-22990D0880E7}"/>
+                </a:ext>
+              </a:extLst>
+            </p:cNvPr>
+            <p:cNvSpPr/>
+            <p:nvPr/>
+          </p:nvSpPr>
+          <p:spPr>
+            <a:xfrm>
+              <a:off x="7743913" y="7174616"/>
+              <a:ext cx="10972800" cy="45718"/>
+            </a:xfrm>
+            <a:prstGeom prst="rect">
+              <a:avLst/>
+            </a:prstGeom>
+            <a:solidFill>
+              <a:srgbClr val="D2C295"/>
+            </a:solidFill>
+            <a:ln>
+              <a:solidFill>
+                <a:srgbClr val="D2C295"/>
+              </a:solidFill>
+            </a:ln>
+          </p:spPr>
+          <p:style>
+            <a:lnRef idx="2">
+              <a:schemeClr val="accent1">
+                <a:shade val="50000"/>
+              </a:schemeClr>
+            </a:lnRef>
+            <a:fillRef idx="1">
+              <a:schemeClr val="accent1"/>
+            </a:fillRef>
+            <a:effectRef idx="0">
+              <a:schemeClr val="accent1"/>
+            </a:effectRef>
+            <a:fontRef idx="minor">
+              <a:schemeClr val="lt1"/>
+            </a:fontRef>
+          </p:style>
+          <p:txBody>
+            <a:bodyPr rot="0" spcFirstLastPara="0" vertOverflow="overflow" horzOverflow="overflow" vert="horz" wrap="square" lIns="60960" tIns="30480" rIns="60960" bIns="30480" numCol="1" spcCol="0" rtlCol="0" fromWordArt="0" anchor="ctr" anchorCtr="0" forceAA="0" compatLnSpc="1">
+              <a:prstTxWarp prst="textNoShape">
+                <a:avLst/>
+              </a:prstTxWarp>
+              <a:noAutofit/>
+            </a:bodyPr>
+            <a:lstStyle/>
+            <a:p>
+              <a:pPr algn="ctr"/>
+              <a:endParaRPr lang="en-US" sz="3456"/>
+            </a:p>
+          </p:txBody>
+        </p:sp>
+      </p:grpSp>
+      <p:sp>
+        <p:nvSpPr>
+          <p:cNvPr id="55" name="TextBox 54">
+            <a:extLst>
+              <a:ext uri="{FF2B5EF4-FFF2-40B4-BE49-F238E27FC236}">
+                <a16:creationId xmlns:a16="http://schemas.microsoft.com/office/drawing/2014/main" id="{C3C877AE-87E3-4078-A4E3-0A74ABACE46F}"/>
+              </a:ext>
+            </a:extLst>
+          </p:cNvPr>
+          <p:cNvSpPr txBox="1"/>
+          <p:nvPr/>
+        </p:nvSpPr>
+        <p:spPr>
+          <a:xfrm>
+            <a:off x="22248627" y="5168764"/>
+            <a:ext cx="10667592" cy="646331"/>
+          </a:xfrm>
+          <a:prstGeom prst="rect">
+            <a:avLst/>
+          </a:prstGeom>
+          <a:noFill/>
+        </p:spPr>
+        <p:txBody>
+          <a:bodyPr wrap="square" rtlCol="0">
+            <a:spAutoFit/>
+          </a:bodyPr>
+          <a:lstStyle/>
+          <a:p>
+            <a:pPr marL="411480" indent="-411480">
+              <a:buFont typeface="Arial" panose="020B0604020202020204" pitchFamily="34" charset="0"/>
+              <a:buChar char="•"/>
+            </a:pPr>
+            <a:r>
+              <a:rPr lang="en-US" sz="3600" dirty="0"/>
+              <a:t>TODO</a:t>
             </a:r>
           </a:p>
         </p:txBody>
